--- a/oop lab01.pptx
+++ b/oop lab01.pptx
@@ -11,27 +11,25 @@
     <p:sldId id="259" r:id="rId5"/>
     <p:sldId id="260" r:id="rId6"/>
     <p:sldId id="261" r:id="rId7"/>
-    <p:sldId id="262" r:id="rId8"/>
-    <p:sldId id="263" r:id="rId9"/>
-    <p:sldId id="264" r:id="rId10"/>
-    <p:sldId id="265" r:id="rId11"/>
-    <p:sldId id="267" r:id="rId12"/>
-    <p:sldId id="268" r:id="rId13"/>
-    <p:sldId id="266" r:id="rId14"/>
-    <p:sldId id="269" r:id="rId15"/>
-    <p:sldId id="270" r:id="rId16"/>
-    <p:sldId id="271" r:id="rId17"/>
-    <p:sldId id="272" r:id="rId18"/>
-    <p:sldId id="273" r:id="rId19"/>
-    <p:sldId id="274" r:id="rId20"/>
-    <p:sldId id="275" r:id="rId21"/>
-    <p:sldId id="276" r:id="rId22"/>
-    <p:sldId id="277" r:id="rId23"/>
-    <p:sldId id="278" r:id="rId24"/>
-    <p:sldId id="279" r:id="rId25"/>
-    <p:sldId id="280" r:id="rId26"/>
-    <p:sldId id="281" r:id="rId27"/>
-    <p:sldId id="282" r:id="rId28"/>
+    <p:sldId id="264" r:id="rId8"/>
+    <p:sldId id="265" r:id="rId9"/>
+    <p:sldId id="267" r:id="rId10"/>
+    <p:sldId id="268" r:id="rId11"/>
+    <p:sldId id="266" r:id="rId12"/>
+    <p:sldId id="269" r:id="rId13"/>
+    <p:sldId id="270" r:id="rId14"/>
+    <p:sldId id="271" r:id="rId15"/>
+    <p:sldId id="272" r:id="rId16"/>
+    <p:sldId id="273" r:id="rId17"/>
+    <p:sldId id="274" r:id="rId18"/>
+    <p:sldId id="275" r:id="rId19"/>
+    <p:sldId id="276" r:id="rId20"/>
+    <p:sldId id="277" r:id="rId21"/>
+    <p:sldId id="278" r:id="rId22"/>
+    <p:sldId id="279" r:id="rId23"/>
+    <p:sldId id="280" r:id="rId24"/>
+    <p:sldId id="281" r:id="rId25"/>
+    <p:sldId id="282" r:id="rId26"/>
   </p:sldIdLst>
   <p:sldSz cx="12192000" cy="6858000"/>
   <p:notesSz cx="6858000" cy="9144000"/>
@@ -130,6 +128,11 @@
       </a:defRPr>
     </a:lvl9pPr>
   </p:defaultTextStyle>
+  <p:extLst>
+    <p:ext uri="{EFAFB233-063F-42B5-8137-9DF3F51BA10A}">
+      <p15:sldGuideLst xmlns:p15="http://schemas.microsoft.com/office/powerpoint/2012/main"/>
+    </p:ext>
+  </p:extLst>
 </p:presentation>
 </file>
 
@@ -3083,7 +3086,15 @@
           <a:p>
             <a:r>
               <a:rPr lang="en-US" dirty="0" smtClean="0"/>
-              <a:t>A Simple Java Class</a:t>
+              <a:t>Creating </a:t>
+            </a:r>
+            <a:r>
+              <a:rPr lang="en-US" dirty="0"/>
+              <a:t>and </a:t>
+            </a:r>
+            <a:r>
+              <a:rPr lang="en-US" dirty="0" smtClean="0"/>
+              <a:t>Using Objects</a:t>
             </a:r>
             <a:endParaRPr lang="en-US" dirty="0"/>
           </a:p>
@@ -3102,7 +3113,7 @@
         <p:spPr/>
         <p:txBody>
           <a:bodyPr>
-            <a:normAutofit fontScale="47500" lnSpcReduction="20000"/>
+            <a:normAutofit fontScale="32500" lnSpcReduction="20000"/>
           </a:bodyPr>
           <a:lstStyle/>
           <a:p>
@@ -3111,42 +3122,67 @@
             </a:pPr>
             <a:r>
               <a:rPr lang="en-US" dirty="0" smtClean="0"/>
-              <a:t>public class Car {</a:t>
-            </a:r>
-          </a:p>
-          <a:p>
-            <a:pPr marL="0" indent="0">
-              <a:buNone/>
-            </a:pPr>
-            <a:r>
-              <a:rPr lang="en-US" dirty="0" smtClean="0"/>
-              <a:t>    // Fields or attributes</a:t>
-            </a:r>
-          </a:p>
-          <a:p>
-            <a:pPr marL="0" indent="0">
-              <a:buNone/>
-            </a:pPr>
-            <a:r>
-              <a:rPr lang="en-US" dirty="0" smtClean="0"/>
-              <a:t>    String model;</a:t>
-            </a:r>
-          </a:p>
-          <a:p>
-            <a:pPr marL="0" indent="0">
-              <a:buNone/>
-            </a:pPr>
-            <a:r>
-              <a:rPr lang="en-US" dirty="0" smtClean="0"/>
-              <a:t>    </a:t>
+              <a:t>public class Main {</a:t>
+            </a:r>
+          </a:p>
+          <a:p>
+            <a:pPr marL="0" indent="0">
+              <a:buNone/>
+            </a:pPr>
+            <a:r>
+              <a:rPr lang="en-US" dirty="0" smtClean="0"/>
+              <a:t>    public static void main(String[] </a:t>
             </a:r>
             <a:r>
               <a:rPr lang="en-US" dirty="0" err="1" smtClean="0"/>
-              <a:t>int</a:t>
-            </a:r>
-            <a:r>
-              <a:rPr lang="en-US" dirty="0" smtClean="0"/>
-              <a:t> year;</a:t>
+              <a:t>args</a:t>
+            </a:r>
+            <a:r>
+              <a:rPr lang="en-US" dirty="0" smtClean="0"/>
+              <a:t>) {</a:t>
+            </a:r>
+          </a:p>
+          <a:p>
+            <a:pPr marL="0" indent="0">
+              <a:buNone/>
+            </a:pPr>
+            <a:r>
+              <a:rPr lang="en-US" dirty="0" smtClean="0"/>
+              <a:t>        // Creating objects of the Car class</a:t>
+            </a:r>
+          </a:p>
+          <a:p>
+            <a:pPr marL="0" indent="0">
+              <a:buNone/>
+            </a:pPr>
+            <a:r>
+              <a:rPr lang="en-US" dirty="0" smtClean="0"/>
+              <a:t>        Car </a:t>
+            </a:r>
+            <a:r>
+              <a:rPr lang="en-US" dirty="0" err="1" smtClean="0"/>
+              <a:t>myCar</a:t>
+            </a:r>
+            <a:r>
+              <a:rPr lang="en-US" dirty="0" smtClean="0"/>
+              <a:t> = new Car();</a:t>
+            </a:r>
+          </a:p>
+          <a:p>
+            <a:pPr marL="0" indent="0">
+              <a:buNone/>
+            </a:pPr>
+            <a:r>
+              <a:rPr lang="en-US" dirty="0" smtClean="0"/>
+              <a:t>        Car </a:t>
+            </a:r>
+            <a:r>
+              <a:rPr lang="en-US" dirty="0" err="1" smtClean="0"/>
+              <a:t>anotherCar</a:t>
+            </a:r>
+            <a:r>
+              <a:rPr lang="en-US" dirty="0" smtClean="0"/>
+              <a:t> = new Car();</a:t>
             </a:r>
           </a:p>
           <a:p>
@@ -3161,16 +3197,7 @@
             </a:pPr>
             <a:r>
               <a:rPr lang="en-US" dirty="0" smtClean="0"/>
-              <a:t>    // Methods or behaviors</a:t>
-            </a:r>
-          </a:p>
-          <a:p>
-            <a:pPr marL="0" indent="0">
-              <a:buNone/>
-            </a:pPr>
-            <a:r>
-              <a:rPr lang="en-US" dirty="0" smtClean="0"/>
-              <a:t>    void start() {</a:t>
+              <a:t>        // Accessing and modifying object state</a:t>
             </a:r>
           </a:p>
           <a:p>
@@ -3183,11 +3210,117 @@
             </a:r>
             <a:r>
               <a:rPr lang="en-US" dirty="0" err="1" smtClean="0"/>
-              <a:t>System.out.println</a:t>
-            </a:r>
-            <a:r>
-              <a:rPr lang="en-US" dirty="0" smtClean="0"/>
-              <a:t>("Car is starting");</a:t>
+              <a:t>myCar.model</a:t>
+            </a:r>
+            <a:r>
+              <a:rPr lang="en-US" dirty="0" smtClean="0"/>
+              <a:t> = "Toyota";</a:t>
+            </a:r>
+          </a:p>
+          <a:p>
+            <a:pPr marL="0" indent="0">
+              <a:buNone/>
+            </a:pPr>
+            <a:r>
+              <a:rPr lang="en-US" dirty="0" smtClean="0"/>
+              <a:t>        </a:t>
+            </a:r>
+            <a:r>
+              <a:rPr lang="en-US" dirty="0" err="1" smtClean="0"/>
+              <a:t>myCar.year</a:t>
+            </a:r>
+            <a:r>
+              <a:rPr lang="en-US" dirty="0" smtClean="0"/>
+              <a:t> = 2022;</a:t>
+            </a:r>
+          </a:p>
+          <a:p>
+            <a:pPr marL="0" indent="0">
+              <a:buNone/>
+            </a:pPr>
+            <a:endParaRPr lang="en-US" dirty="0" smtClean="0"/>
+          </a:p>
+          <a:p>
+            <a:pPr marL="0" indent="0">
+              <a:buNone/>
+            </a:pPr>
+            <a:r>
+              <a:rPr lang="en-US" dirty="0" smtClean="0"/>
+              <a:t>        </a:t>
+            </a:r>
+            <a:r>
+              <a:rPr lang="en-US" dirty="0" err="1" smtClean="0"/>
+              <a:t>anotherCar.model</a:t>
+            </a:r>
+            <a:r>
+              <a:rPr lang="en-US" dirty="0" smtClean="0"/>
+              <a:t> = "Honda";</a:t>
+            </a:r>
+          </a:p>
+          <a:p>
+            <a:pPr marL="0" indent="0">
+              <a:buNone/>
+            </a:pPr>
+            <a:r>
+              <a:rPr lang="en-US" dirty="0" smtClean="0"/>
+              <a:t>        </a:t>
+            </a:r>
+            <a:r>
+              <a:rPr lang="en-US" dirty="0" err="1" smtClean="0"/>
+              <a:t>anotherCar.year</a:t>
+            </a:r>
+            <a:r>
+              <a:rPr lang="en-US" dirty="0" smtClean="0"/>
+              <a:t> = 2020;</a:t>
+            </a:r>
+          </a:p>
+          <a:p>
+            <a:pPr marL="0" indent="0">
+              <a:buNone/>
+            </a:pPr>
+            <a:endParaRPr lang="en-US" dirty="0" smtClean="0"/>
+          </a:p>
+          <a:p>
+            <a:pPr marL="0" indent="0">
+              <a:buNone/>
+            </a:pPr>
+            <a:r>
+              <a:rPr lang="en-US" dirty="0" smtClean="0"/>
+              <a:t>        // Invoking object methods</a:t>
+            </a:r>
+          </a:p>
+          <a:p>
+            <a:pPr marL="0" indent="0">
+              <a:buNone/>
+            </a:pPr>
+            <a:r>
+              <a:rPr lang="en-US" dirty="0" smtClean="0"/>
+              <a:t>        </a:t>
+            </a:r>
+            <a:r>
+              <a:rPr lang="en-US" dirty="0" err="1" smtClean="0"/>
+              <a:t>myCar.start</a:t>
+            </a:r>
+            <a:r>
+              <a:rPr lang="en-US" dirty="0" smtClean="0"/>
+              <a:t>();</a:t>
+            </a:r>
+          </a:p>
+          <a:p>
+            <a:pPr marL="0" indent="0">
+              <a:buNone/>
+            </a:pPr>
+            <a:r>
+              <a:rPr lang="en-US" dirty="0" smtClean="0"/>
+              <a:t>        </a:t>
+            </a:r>
+            <a:r>
+              <a:rPr lang="en-US" dirty="0" err="1" smtClean="0"/>
+              <a:t>anotherCar.accelerate</a:t>
+            </a:r>
+            <a:r>
+              <a:rPr lang="en-US" dirty="0" smtClean="0"/>
+              <a:t>();</a:t>
             </a:r>
           </a:p>
           <a:p>
@@ -3203,59 +3336,34 @@
             <a:pPr marL="0" indent="0">
               <a:buNone/>
             </a:pPr>
-            <a:endParaRPr lang="en-US" dirty="0" smtClean="0"/>
-          </a:p>
-          <a:p>
-            <a:pPr marL="0" indent="0">
-              <a:buNone/>
-            </a:pPr>
-            <a:r>
-              <a:rPr lang="en-US" dirty="0" smtClean="0"/>
-              <a:t>    void accelerate() {</a:t>
-            </a:r>
-          </a:p>
-          <a:p>
-            <a:pPr marL="0" indent="0">
-              <a:buNone/>
-            </a:pPr>
-            <a:r>
-              <a:rPr lang="en-US" dirty="0" smtClean="0"/>
-              <a:t>        </a:t>
+            <a:r>
+              <a:rPr lang="en-US" dirty="0" smtClean="0"/>
+              <a:t>}</a:t>
+            </a:r>
+          </a:p>
+          <a:p>
+            <a:pPr marL="0" indent="0">
+              <a:buNone/>
+            </a:pPr>
+            <a:r>
+              <a:rPr lang="en-US" dirty="0" smtClean="0"/>
+              <a:t>In this example, </a:t>
             </a:r>
             <a:r>
               <a:rPr lang="en-US" dirty="0" err="1" smtClean="0"/>
-              <a:t>System.out.println</a:t>
-            </a:r>
-            <a:r>
-              <a:rPr lang="en-US" dirty="0" smtClean="0"/>
-              <a:t>("Car is accelerating");</a:t>
-            </a:r>
-          </a:p>
-          <a:p>
-            <a:pPr marL="0" indent="0">
-              <a:buNone/>
-            </a:pPr>
-            <a:r>
-              <a:rPr lang="en-US" dirty="0" smtClean="0"/>
-              <a:t>    }</a:t>
-            </a:r>
-          </a:p>
-          <a:p>
-            <a:pPr marL="0" indent="0">
-              <a:buNone/>
-            </a:pPr>
-            <a:r>
-              <a:rPr lang="en-US" dirty="0" smtClean="0"/>
-              <a:t>}</a:t>
-            </a:r>
-          </a:p>
-          <a:p>
-            <a:pPr marL="0" indent="0">
-              <a:buNone/>
-            </a:pPr>
-            <a:r>
-              <a:rPr lang="en-US" dirty="0" smtClean="0"/>
-              <a:t>In this example, Car is the class. It has fields (model and year) representing the state of a car and methods (start and accelerate) representing the behavior of a car.</a:t>
+              <a:t>myCar</a:t>
+            </a:r>
+            <a:r>
+              <a:rPr lang="en-US" dirty="0" smtClean="0"/>
+              <a:t> and </a:t>
+            </a:r>
+            <a:r>
+              <a:rPr lang="en-US" dirty="0" err="1" smtClean="0"/>
+              <a:t>anotherCar</a:t>
+            </a:r>
+            <a:r>
+              <a:rPr lang="en-US" dirty="0" smtClean="0"/>
+              <a:t> are objects of the Car class. You can access and modify their state (fields) and invoke their behavior (methods).</a:t>
             </a:r>
             <a:endParaRPr lang="en-US" dirty="0"/>
           </a:p>
@@ -3264,7 +3372,7 @@
     </p:spTree>
     <p:extLst>
       <p:ext uri="{BB962C8B-B14F-4D97-AF65-F5344CB8AC3E}">
-        <p14:creationId xmlns:p14="http://schemas.microsoft.com/office/powerpoint/2010/main" val="130270490"/>
+        <p14:creationId xmlns:p14="http://schemas.microsoft.com/office/powerpoint/2010/main" val="1278096162"/>
       </p:ext>
     </p:extLst>
   </p:cSld>
@@ -3307,10 +3415,9 @@
           <a:lstStyle/>
           <a:p>
             <a:r>
-              <a:rPr lang="en-US" b="1" dirty="0"/>
-              <a:t>Objects in Java</a:t>
-            </a:r>
-            <a:endParaRPr lang="en-US" dirty="0"/>
+              <a:rPr lang="en-US" dirty="0"/>
+              <a:t>Encapsulation</a:t>
+            </a:r>
           </a:p>
         </p:txBody>
       </p:sp>
@@ -3331,40 +3438,37 @@
           <a:p>
             <a:r>
               <a:rPr lang="en-US" dirty="0"/>
-              <a:t>An object in Java is an instance of a class. </a:t>
-            </a:r>
-            <a:endParaRPr lang="en-US" dirty="0" smtClean="0"/>
-          </a:p>
-          <a:p>
-            <a:r>
-              <a:rPr lang="en-US" dirty="0" smtClean="0"/>
-              <a:t>It </a:t>
-            </a:r>
+              <a:t>Encapsulation is one of the four fundamental principles of object-oriented programming (OOP</a:t>
+            </a:r>
+            <a:r>
+              <a:rPr lang="en-US" dirty="0" smtClean="0"/>
+              <a:t>)</a:t>
+            </a:r>
+          </a:p>
+          <a:p>
             <a:r>
               <a:rPr lang="en-US" dirty="0"/>
-              <a:t>represents a real-world entity and is created from a class definition. </a:t>
-            </a:r>
-            <a:endParaRPr lang="en-US" dirty="0" smtClean="0"/>
-          </a:p>
-          <a:p>
-            <a:r>
-              <a:rPr lang="en-US" dirty="0" smtClean="0"/>
-              <a:t>Objects </a:t>
-            </a:r>
+              <a:t>it refers to the bundling of data (attributes or properties) and methods (functions or behaviors) that operate on the data within a single unit, known as a </a:t>
+            </a:r>
+            <a:r>
+              <a:rPr lang="en-US" dirty="0" smtClean="0"/>
+              <a:t>class</a:t>
+            </a:r>
+          </a:p>
+          <a:p>
             <a:r>
               <a:rPr lang="en-US" dirty="0"/>
-              <a:t>have state (values of fields) and behavior (invoking methods). </a:t>
-            </a:r>
-            <a:endParaRPr lang="en-US" dirty="0" smtClean="0"/>
-          </a:p>
-          <a:p>
-            <a:r>
-              <a:rPr lang="en-US" dirty="0" smtClean="0"/>
-              <a:t>You </a:t>
-            </a:r>
+              <a:t>In Java, encapsulation helps in controlling access to the internal state of objects, providing a way to protect data and restrict access to only those methods that need it</a:t>
+            </a:r>
+            <a:r>
+              <a:rPr lang="en-US" dirty="0" smtClean="0"/>
+              <a:t>.</a:t>
+            </a:r>
+          </a:p>
+          <a:p>
             <a:r>
               <a:rPr lang="en-US" dirty="0"/>
-              <a:t>create objects based on the blueprint provided by the class.</a:t>
+              <a:t>This concept is implemented using access modifiers and getter/setter methods.</a:t>
             </a:r>
           </a:p>
         </p:txBody>
@@ -3372,7 +3476,7 @@
     </p:spTree>
     <p:extLst>
       <p:ext uri="{BB962C8B-B14F-4D97-AF65-F5344CB8AC3E}">
-        <p14:creationId xmlns:p14="http://schemas.microsoft.com/office/powerpoint/2010/main" val="3664885103"/>
+        <p14:creationId xmlns:p14="http://schemas.microsoft.com/office/powerpoint/2010/main" val="3637321200"/>
       </p:ext>
     </p:extLst>
   </p:cSld>
@@ -3415,16 +3519,8 @@
           <a:lstStyle/>
           <a:p>
             <a:r>
-              <a:rPr lang="en-US" dirty="0" smtClean="0"/>
-              <a:t>Creating </a:t>
-            </a:r>
-            <a:r>
-              <a:rPr lang="en-US" dirty="0"/>
-              <a:t>and </a:t>
-            </a:r>
-            <a:r>
-              <a:rPr lang="en-US" dirty="0" smtClean="0"/>
-              <a:t>Using Objects</a:t>
+              <a:rPr lang="en-US" b="1" dirty="0"/>
+              <a:t>Access Modifiers</a:t>
             </a:r>
             <a:endParaRPr lang="en-US" dirty="0"/>
           </a:p>
@@ -3442,258 +3538,36 @@
         </p:nvSpPr>
         <p:spPr/>
         <p:txBody>
-          <a:bodyPr>
-            <a:normAutofit fontScale="32500" lnSpcReduction="20000"/>
-          </a:bodyPr>
-          <a:lstStyle/>
-          <a:p>
-            <a:pPr marL="0" indent="0">
-              <a:buNone/>
-            </a:pPr>
-            <a:r>
-              <a:rPr lang="en-US" dirty="0" smtClean="0"/>
-              <a:t>public class Main {</a:t>
-            </a:r>
-          </a:p>
-          <a:p>
-            <a:pPr marL="0" indent="0">
-              <a:buNone/>
-            </a:pPr>
-            <a:r>
-              <a:rPr lang="en-US" dirty="0" smtClean="0"/>
-              <a:t>    public static void main(String[] </a:t>
-            </a:r>
-            <a:r>
-              <a:rPr lang="en-US" dirty="0" err="1" smtClean="0"/>
-              <a:t>args</a:t>
-            </a:r>
-            <a:r>
-              <a:rPr lang="en-US" dirty="0" smtClean="0"/>
-              <a:t>) {</a:t>
-            </a:r>
-          </a:p>
-          <a:p>
-            <a:pPr marL="0" indent="0">
-              <a:buNone/>
-            </a:pPr>
-            <a:r>
-              <a:rPr lang="en-US" dirty="0" smtClean="0"/>
-              <a:t>        // Creating objects of the Car class</a:t>
-            </a:r>
-          </a:p>
-          <a:p>
-            <a:pPr marL="0" indent="0">
-              <a:buNone/>
-            </a:pPr>
-            <a:r>
-              <a:rPr lang="en-US" dirty="0" smtClean="0"/>
-              <a:t>        Car </a:t>
-            </a:r>
-            <a:r>
-              <a:rPr lang="en-US" dirty="0" err="1" smtClean="0"/>
-              <a:t>myCar</a:t>
-            </a:r>
-            <a:r>
-              <a:rPr lang="en-US" dirty="0" smtClean="0"/>
-              <a:t> = new Car();</a:t>
-            </a:r>
-          </a:p>
-          <a:p>
-            <a:pPr marL="0" indent="0">
-              <a:buNone/>
-            </a:pPr>
-            <a:r>
-              <a:rPr lang="en-US" dirty="0" smtClean="0"/>
-              <a:t>        Car </a:t>
-            </a:r>
-            <a:r>
-              <a:rPr lang="en-US" dirty="0" err="1" smtClean="0"/>
-              <a:t>anotherCar</a:t>
-            </a:r>
-            <a:r>
-              <a:rPr lang="en-US" dirty="0" smtClean="0"/>
-              <a:t> = new Car();</a:t>
-            </a:r>
-          </a:p>
-          <a:p>
-            <a:pPr marL="0" indent="0">
-              <a:buNone/>
-            </a:pPr>
-            <a:endParaRPr lang="en-US" dirty="0" smtClean="0"/>
-          </a:p>
-          <a:p>
-            <a:pPr marL="0" indent="0">
-              <a:buNone/>
-            </a:pPr>
-            <a:r>
-              <a:rPr lang="en-US" dirty="0" smtClean="0"/>
-              <a:t>        // Accessing and modifying object state</a:t>
-            </a:r>
-          </a:p>
-          <a:p>
-            <a:pPr marL="0" indent="0">
-              <a:buNone/>
-            </a:pPr>
-            <a:r>
-              <a:rPr lang="en-US" dirty="0" smtClean="0"/>
-              <a:t>        </a:t>
-            </a:r>
-            <a:r>
-              <a:rPr lang="en-US" dirty="0" err="1" smtClean="0"/>
-              <a:t>myCar.model</a:t>
-            </a:r>
-            <a:r>
-              <a:rPr lang="en-US" dirty="0" smtClean="0"/>
-              <a:t> = "Toyota";</a:t>
-            </a:r>
-          </a:p>
-          <a:p>
-            <a:pPr marL="0" indent="0">
-              <a:buNone/>
-            </a:pPr>
-            <a:r>
-              <a:rPr lang="en-US" dirty="0" smtClean="0"/>
-              <a:t>        </a:t>
-            </a:r>
-            <a:r>
-              <a:rPr lang="en-US" dirty="0" err="1" smtClean="0"/>
-              <a:t>myCar.year</a:t>
-            </a:r>
-            <a:r>
-              <a:rPr lang="en-US" dirty="0" smtClean="0"/>
-              <a:t> = 2022;</a:t>
-            </a:r>
-          </a:p>
-          <a:p>
-            <a:pPr marL="0" indent="0">
-              <a:buNone/>
-            </a:pPr>
-            <a:endParaRPr lang="en-US" dirty="0" smtClean="0"/>
-          </a:p>
-          <a:p>
-            <a:pPr marL="0" indent="0">
-              <a:buNone/>
-            </a:pPr>
-            <a:r>
-              <a:rPr lang="en-US" dirty="0" smtClean="0"/>
-              <a:t>        </a:t>
-            </a:r>
-            <a:r>
-              <a:rPr lang="en-US" dirty="0" err="1" smtClean="0"/>
-              <a:t>anotherCar.model</a:t>
-            </a:r>
-            <a:r>
-              <a:rPr lang="en-US" dirty="0" smtClean="0"/>
-              <a:t> = "Honda";</a:t>
-            </a:r>
-          </a:p>
-          <a:p>
-            <a:pPr marL="0" indent="0">
-              <a:buNone/>
-            </a:pPr>
-            <a:r>
-              <a:rPr lang="en-US" dirty="0" smtClean="0"/>
-              <a:t>        </a:t>
-            </a:r>
-            <a:r>
-              <a:rPr lang="en-US" dirty="0" err="1" smtClean="0"/>
-              <a:t>anotherCar.year</a:t>
-            </a:r>
-            <a:r>
-              <a:rPr lang="en-US" dirty="0" smtClean="0"/>
-              <a:t> = 2020;</a:t>
-            </a:r>
-          </a:p>
-          <a:p>
-            <a:pPr marL="0" indent="0">
-              <a:buNone/>
-            </a:pPr>
-            <a:endParaRPr lang="en-US" dirty="0" smtClean="0"/>
-          </a:p>
-          <a:p>
-            <a:pPr marL="0" indent="0">
-              <a:buNone/>
-            </a:pPr>
-            <a:r>
-              <a:rPr lang="en-US" dirty="0" smtClean="0"/>
-              <a:t>        // Invoking object methods</a:t>
-            </a:r>
-          </a:p>
-          <a:p>
-            <a:pPr marL="0" indent="0">
-              <a:buNone/>
-            </a:pPr>
-            <a:r>
-              <a:rPr lang="en-US" dirty="0" smtClean="0"/>
-              <a:t>        </a:t>
-            </a:r>
-            <a:r>
-              <a:rPr lang="en-US" dirty="0" err="1" smtClean="0"/>
-              <a:t>myCar.start</a:t>
-            </a:r>
-            <a:r>
-              <a:rPr lang="en-US" dirty="0" smtClean="0"/>
-              <a:t>();</a:t>
-            </a:r>
-          </a:p>
-          <a:p>
-            <a:pPr marL="0" indent="0">
-              <a:buNone/>
-            </a:pPr>
-            <a:r>
-              <a:rPr lang="en-US" dirty="0" smtClean="0"/>
-              <a:t>        </a:t>
-            </a:r>
-            <a:r>
-              <a:rPr lang="en-US" dirty="0" err="1" smtClean="0"/>
-              <a:t>anotherCar.accelerate</a:t>
-            </a:r>
-            <a:r>
-              <a:rPr lang="en-US" dirty="0" smtClean="0"/>
-              <a:t>();</a:t>
-            </a:r>
-          </a:p>
-          <a:p>
-            <a:pPr marL="0" indent="0">
-              <a:buNone/>
-            </a:pPr>
-            <a:r>
-              <a:rPr lang="en-US" dirty="0" smtClean="0"/>
-              <a:t>    }</a:t>
-            </a:r>
-          </a:p>
-          <a:p>
-            <a:pPr marL="0" indent="0">
-              <a:buNone/>
-            </a:pPr>
-            <a:r>
-              <a:rPr lang="en-US" dirty="0" smtClean="0"/>
-              <a:t>}</a:t>
-            </a:r>
-          </a:p>
-          <a:p>
-            <a:pPr marL="0" indent="0">
-              <a:buNone/>
-            </a:pPr>
-            <a:r>
-              <a:rPr lang="en-US" dirty="0" smtClean="0"/>
-              <a:t>In this example, </a:t>
-            </a:r>
-            <a:r>
-              <a:rPr lang="en-US" dirty="0" err="1" smtClean="0"/>
-              <a:t>myCar</a:t>
-            </a:r>
-            <a:r>
-              <a:rPr lang="en-US" dirty="0" smtClean="0"/>
-              <a:t> and </a:t>
-            </a:r>
-            <a:r>
-              <a:rPr lang="en-US" dirty="0" err="1" smtClean="0"/>
-              <a:t>anotherCar</a:t>
-            </a:r>
-            <a:r>
-              <a:rPr lang="en-US" dirty="0" smtClean="0"/>
-              <a:t> are objects of the Car class. You can access and modify their state (fields) and invoke their behavior (methods).</a:t>
+          <a:bodyPr/>
+          <a:lstStyle/>
+          <a:p>
+            <a:r>
+              <a:rPr lang="en-US" dirty="0" smtClean="0"/>
+              <a:t>Java provides four access modifiers: public, private, protected, and the default (package-private). These modifiers control the visibility of classes, fields, and methods.</a:t>
+            </a:r>
+          </a:p>
+          <a:p>
+            <a:r>
+              <a:rPr lang="en-US" dirty="0" smtClean="0"/>
+              <a:t>private: Limits the access to the member to within the same class.</a:t>
+            </a:r>
+          </a:p>
+          <a:p>
+            <a:r>
+              <a:rPr lang="en-US" dirty="0" smtClean="0"/>
+              <a:t>public: Allows access from any other class.</a:t>
+            </a:r>
+          </a:p>
+          <a:p>
+            <a:r>
+              <a:rPr lang="en-US" dirty="0" smtClean="0"/>
+              <a:t>protected: Allows access within the same package and by subclasses.</a:t>
+            </a:r>
+          </a:p>
+          <a:p>
+            <a:r>
+              <a:rPr lang="en-US" dirty="0" smtClean="0"/>
+              <a:t>Default (no modifier): Allows access only within the same package.</a:t>
             </a:r>
             <a:endParaRPr lang="en-US" dirty="0"/>
           </a:p>
@@ -3702,7 +3576,7 @@
     </p:spTree>
     <p:extLst>
       <p:ext uri="{BB962C8B-B14F-4D97-AF65-F5344CB8AC3E}">
-        <p14:creationId xmlns:p14="http://schemas.microsoft.com/office/powerpoint/2010/main" val="1278096162"/>
+        <p14:creationId xmlns:p14="http://schemas.microsoft.com/office/powerpoint/2010/main" val="2167807023"/>
       </p:ext>
     </p:extLst>
   </p:cSld>
@@ -3745,9 +3619,10 @@
           <a:lstStyle/>
           <a:p>
             <a:r>
-              <a:rPr lang="en-US" dirty="0"/>
-              <a:t>Encapsulation</a:t>
-            </a:r>
+              <a:rPr lang="en-US" dirty="0" smtClean="0"/>
+              <a:t>Define A Class</a:t>
+            </a:r>
+            <a:endParaRPr lang="en-US" dirty="0"/>
           </a:p>
         </p:txBody>
       </p:sp>
@@ -3766,47 +3641,138 @@
           <a:bodyPr/>
           <a:lstStyle/>
           <a:p>
-            <a:r>
-              <a:rPr lang="en-US" dirty="0"/>
-              <a:t>Encapsulation is one of the four fundamental principles of object-oriented programming (OOP</a:t>
-            </a:r>
-            <a:r>
-              <a:rPr lang="en-US" dirty="0" smtClean="0"/>
-              <a:t>)</a:t>
-            </a:r>
-          </a:p>
-          <a:p>
-            <a:r>
-              <a:rPr lang="en-US" dirty="0"/>
-              <a:t>it refers to the bundling of data (attributes or properties) and methods (functions or behaviors) that operate on the data within a single unit, known as a </a:t>
-            </a:r>
-            <a:r>
-              <a:rPr lang="en-US" dirty="0" smtClean="0"/>
-              <a:t>class</a:t>
-            </a:r>
-          </a:p>
-          <a:p>
-            <a:r>
-              <a:rPr lang="en-US" dirty="0"/>
-              <a:t>In Java, encapsulation helps in controlling access to the internal state of objects, providing a way to protect data and restrict access to only those methods that need it</a:t>
-            </a:r>
-            <a:r>
-              <a:rPr lang="en-US" dirty="0" smtClean="0"/>
-              <a:t>.</a:t>
-            </a:r>
-          </a:p>
-          <a:p>
-            <a:r>
-              <a:rPr lang="en-US" dirty="0"/>
-              <a:t>This concept is implemented using access modifiers and getter/setter methods.</a:t>
-            </a:r>
+            <a:pPr marL="0" indent="0">
+              <a:buNone/>
+            </a:pPr>
+            <a:r>
+              <a:rPr lang="en-US" dirty="0" smtClean="0"/>
+              <a:t>public class </a:t>
+            </a:r>
+            <a:r>
+              <a:rPr lang="en-US" dirty="0" err="1" smtClean="0"/>
+              <a:t>MyClass</a:t>
+            </a:r>
+            <a:r>
+              <a:rPr lang="en-US" dirty="0" smtClean="0"/>
+              <a:t> {</a:t>
+            </a:r>
+          </a:p>
+          <a:p>
+            <a:pPr marL="0" indent="0">
+              <a:buNone/>
+            </a:pPr>
+            <a:r>
+              <a:rPr lang="en-US" dirty="0" smtClean="0"/>
+              <a:t>    private </a:t>
+            </a:r>
+            <a:r>
+              <a:rPr lang="en-US" dirty="0" err="1" smtClean="0"/>
+              <a:t>int</a:t>
+            </a:r>
+            <a:r>
+              <a:rPr lang="en-US" dirty="0" smtClean="0"/>
+              <a:t> </a:t>
+            </a:r>
+            <a:r>
+              <a:rPr lang="en-US" dirty="0" err="1" smtClean="0"/>
+              <a:t>privateField</a:t>
+            </a:r>
+            <a:r>
+              <a:rPr lang="en-US" dirty="0" smtClean="0"/>
+              <a:t>;</a:t>
+            </a:r>
+          </a:p>
+          <a:p>
+            <a:pPr marL="0" indent="0">
+              <a:buNone/>
+            </a:pPr>
+            <a:r>
+              <a:rPr lang="en-US" dirty="0" smtClean="0"/>
+              <a:t>    public </a:t>
+            </a:r>
+            <a:r>
+              <a:rPr lang="en-US" dirty="0" err="1" smtClean="0"/>
+              <a:t>int</a:t>
+            </a:r>
+            <a:r>
+              <a:rPr lang="en-US" dirty="0" smtClean="0"/>
+              <a:t> </a:t>
+            </a:r>
+            <a:r>
+              <a:rPr lang="en-US" dirty="0" err="1" smtClean="0"/>
+              <a:t>publicField</a:t>
+            </a:r>
+            <a:r>
+              <a:rPr lang="en-US" dirty="0" smtClean="0"/>
+              <a:t>;</a:t>
+            </a:r>
+          </a:p>
+          <a:p>
+            <a:pPr marL="0" indent="0">
+              <a:buNone/>
+            </a:pPr>
+            <a:r>
+              <a:rPr lang="en-US" dirty="0" smtClean="0"/>
+              <a:t>    protected </a:t>
+            </a:r>
+            <a:r>
+              <a:rPr lang="en-US" dirty="0" err="1" smtClean="0"/>
+              <a:t>int</a:t>
+            </a:r>
+            <a:r>
+              <a:rPr lang="en-US" dirty="0" smtClean="0"/>
+              <a:t> </a:t>
+            </a:r>
+            <a:r>
+              <a:rPr lang="en-US" dirty="0" err="1" smtClean="0"/>
+              <a:t>protectedField</a:t>
+            </a:r>
+            <a:r>
+              <a:rPr lang="en-US" dirty="0" smtClean="0"/>
+              <a:t>;</a:t>
+            </a:r>
+          </a:p>
+          <a:p>
+            <a:pPr marL="0" indent="0">
+              <a:buNone/>
+            </a:pPr>
+            <a:r>
+              <a:rPr lang="en-US" dirty="0" smtClean="0"/>
+              <a:t>    </a:t>
+            </a:r>
+            <a:r>
+              <a:rPr lang="en-US" dirty="0" err="1" smtClean="0"/>
+              <a:t>int</a:t>
+            </a:r>
+            <a:r>
+              <a:rPr lang="en-US" dirty="0" smtClean="0"/>
+              <a:t> </a:t>
+            </a:r>
+            <a:r>
+              <a:rPr lang="en-US" dirty="0" err="1" smtClean="0"/>
+              <a:t>defaultField</a:t>
+            </a:r>
+            <a:r>
+              <a:rPr lang="en-US" dirty="0" smtClean="0"/>
+              <a:t>;  // default (package-private) visibility</a:t>
+            </a:r>
+          </a:p>
+          <a:p>
+            <a:pPr marL="0" indent="0">
+              <a:buNone/>
+            </a:pPr>
+            <a:r>
+              <a:rPr lang="en-US" dirty="0" smtClean="0"/>
+              <a:t>}</a:t>
+            </a:r>
+            <a:endParaRPr lang="en-US" dirty="0"/>
           </a:p>
         </p:txBody>
       </p:sp>
     </p:spTree>
     <p:extLst>
       <p:ext uri="{BB962C8B-B14F-4D97-AF65-F5344CB8AC3E}">
-        <p14:creationId xmlns:p14="http://schemas.microsoft.com/office/powerpoint/2010/main" val="3637321200"/>
+        <p14:creationId xmlns:p14="http://schemas.microsoft.com/office/powerpoint/2010/main" val="1458714795"/>
       </p:ext>
     </p:extLst>
   </p:cSld>
@@ -3850,7 +3816,7 @@
           <a:p>
             <a:r>
               <a:rPr lang="en-US" b="1" dirty="0"/>
-              <a:t>Access Modifiers</a:t>
+              <a:t>Getter and Setter Methods</a:t>
             </a:r>
             <a:endParaRPr lang="en-US" dirty="0"/>
           </a:p>
@@ -3873,31 +3839,13 @@
           <a:p>
             <a:r>
               <a:rPr lang="en-US" dirty="0" smtClean="0"/>
-              <a:t>Java provides four access modifiers: public, private, protected, and the default (package-private). These modifiers control the visibility of classes, fields, and methods.</a:t>
-            </a:r>
-          </a:p>
-          <a:p>
-            <a:r>
-              <a:rPr lang="en-US" dirty="0" smtClean="0"/>
-              <a:t>private: Limits the access to the member to within the same class.</a:t>
-            </a:r>
-          </a:p>
-          <a:p>
-            <a:r>
-              <a:rPr lang="en-US" dirty="0" smtClean="0"/>
-              <a:t>public: Allows access from any other class.</a:t>
-            </a:r>
-          </a:p>
-          <a:p>
-            <a:r>
-              <a:rPr lang="en-US" dirty="0" smtClean="0"/>
-              <a:t>protected: Allows access within the same package and by subclasses.</a:t>
-            </a:r>
-          </a:p>
-          <a:p>
-            <a:r>
-              <a:rPr lang="en-US" dirty="0" smtClean="0"/>
-              <a:t>Default (no modifier): Allows access only within the same package.</a:t>
+              <a:t>Encapsulation often involves using getter and setter methods to provide controlled access to the private fields of a class.</a:t>
+            </a:r>
+          </a:p>
+          <a:p>
+            <a:r>
+              <a:rPr lang="en-US" dirty="0" smtClean="0"/>
+              <a:t>Getter methods retrieve the value of a private field, and setter methods modify the value.</a:t>
             </a:r>
             <a:endParaRPr lang="en-US" dirty="0"/>
           </a:p>
@@ -3906,7 +3854,7 @@
     </p:spTree>
     <p:extLst>
       <p:ext uri="{BB962C8B-B14F-4D97-AF65-F5344CB8AC3E}">
-        <p14:creationId xmlns:p14="http://schemas.microsoft.com/office/powerpoint/2010/main" val="2167807023"/>
+        <p14:creationId xmlns:p14="http://schemas.microsoft.com/office/powerpoint/2010/main" val="722521418"/>
       </p:ext>
     </p:extLst>
   </p:cSld>
@@ -3950,7 +3898,7 @@
           <a:p>
             <a:r>
               <a:rPr lang="en-US" dirty="0" smtClean="0"/>
-              <a:t>Define A Class</a:t>
+              <a:t>Java Class</a:t>
             </a:r>
             <a:endParaRPr lang="en-US" dirty="0"/>
           </a:p>
@@ -3968,7 +3916,9 @@
         </p:nvSpPr>
         <p:spPr/>
         <p:txBody>
-          <a:bodyPr/>
+          <a:bodyPr>
+            <a:normAutofit fontScale="62500" lnSpcReduction="20000"/>
+          </a:bodyPr>
           <a:lstStyle/>
           <a:p>
             <a:pPr marL="0" indent="0">
@@ -4016,6 +3966,21 @@
             <a:pPr marL="0" indent="0">
               <a:buNone/>
             </a:pPr>
+            <a:endParaRPr lang="en-US" dirty="0" smtClean="0"/>
+          </a:p>
+          <a:p>
+            <a:pPr marL="0" indent="0">
+              <a:buNone/>
+            </a:pPr>
+            <a:r>
+              <a:rPr lang="en-US" dirty="0" smtClean="0"/>
+              <a:t>    // Getter method</a:t>
+            </a:r>
+          </a:p>
+          <a:p>
+            <a:pPr marL="0" indent="0">
+              <a:buNone/>
+            </a:pPr>
             <a:r>
               <a:rPr lang="en-US" dirty="0" smtClean="0"/>
               <a:t>    public </a:t>
@@ -4030,7 +3995,24 @@
             </a:r>
             <a:r>
               <a:rPr lang="en-US" dirty="0" err="1" smtClean="0"/>
-              <a:t>publicField</a:t>
+              <a:t>getPrivateField</a:t>
+            </a:r>
+            <a:r>
+              <a:rPr lang="en-US" dirty="0" smtClean="0"/>
+              <a:t>() {</a:t>
+            </a:r>
+          </a:p>
+          <a:p>
+            <a:pPr marL="0" indent="0">
+              <a:buNone/>
+            </a:pPr>
+            <a:r>
+              <a:rPr lang="en-US" dirty="0" smtClean="0"/>
+              <a:t>        return </a:t>
+            </a:r>
+            <a:r>
+              <a:rPr lang="en-US" dirty="0" err="1" smtClean="0"/>
+              <a:t>privateField</a:t>
             </a:r>
             <a:r>
               <a:rPr lang="en-US" dirty="0" smtClean="0"/>
@@ -4043,7 +4025,39 @@
             </a:pPr>
             <a:r>
               <a:rPr lang="en-US" dirty="0" smtClean="0"/>
-              <a:t>    protected </a:t>
+              <a:t>    }</a:t>
+            </a:r>
+          </a:p>
+          <a:p>
+            <a:pPr marL="0" indent="0">
+              <a:buNone/>
+            </a:pPr>
+            <a:endParaRPr lang="en-US" dirty="0" smtClean="0"/>
+          </a:p>
+          <a:p>
+            <a:pPr marL="0" indent="0">
+              <a:buNone/>
+            </a:pPr>
+            <a:r>
+              <a:rPr lang="en-US" dirty="0" smtClean="0"/>
+              <a:t>    // Setter method</a:t>
+            </a:r>
+          </a:p>
+          <a:p>
+            <a:pPr marL="0" indent="0">
+              <a:buNone/>
+            </a:pPr>
+            <a:r>
+              <a:rPr lang="en-US" dirty="0" smtClean="0"/>
+              <a:t>    public void </a:t>
+            </a:r>
+            <a:r>
+              <a:rPr lang="en-US" dirty="0" err="1" smtClean="0"/>
+              <a:t>setPrivateField</a:t>
+            </a:r>
+            <a:r>
+              <a:rPr lang="en-US" dirty="0" smtClean="0"/>
+              <a:t>(</a:t>
             </a:r>
             <a:r>
               <a:rPr lang="en-US" dirty="0" err="1" smtClean="0"/>
@@ -4055,7 +4069,32 @@
             </a:r>
             <a:r>
               <a:rPr lang="en-US" dirty="0" err="1" smtClean="0"/>
-              <a:t>protectedField</a:t>
+              <a:t>newValue</a:t>
+            </a:r>
+            <a:r>
+              <a:rPr lang="en-US" dirty="0" smtClean="0"/>
+              <a:t>) {</a:t>
+            </a:r>
+          </a:p>
+          <a:p>
+            <a:pPr marL="0" indent="0">
+              <a:buNone/>
+            </a:pPr>
+            <a:r>
+              <a:rPr lang="en-US" dirty="0" smtClean="0"/>
+              <a:t>        </a:t>
+            </a:r>
+            <a:r>
+              <a:rPr lang="en-US" dirty="0" err="1" smtClean="0"/>
+              <a:t>privateField</a:t>
+            </a:r>
+            <a:r>
+              <a:rPr lang="en-US" dirty="0" smtClean="0"/>
+              <a:t> = </a:t>
+            </a:r>
+            <a:r>
+              <a:rPr lang="en-US" dirty="0" err="1" smtClean="0"/>
+              <a:t>newValue</a:t>
             </a:r>
             <a:r>
               <a:rPr lang="en-US" dirty="0" smtClean="0"/>
@@ -4068,23 +4107,7 @@
             </a:pPr>
             <a:r>
               <a:rPr lang="en-US" dirty="0" smtClean="0"/>
-              <a:t>    </a:t>
-            </a:r>
-            <a:r>
-              <a:rPr lang="en-US" dirty="0" err="1" smtClean="0"/>
-              <a:t>int</a:t>
-            </a:r>
-            <a:r>
-              <a:rPr lang="en-US" dirty="0" smtClean="0"/>
-              <a:t> </a:t>
-            </a:r>
-            <a:r>
-              <a:rPr lang="en-US" dirty="0" err="1" smtClean="0"/>
-              <a:t>defaultField</a:t>
-            </a:r>
-            <a:r>
-              <a:rPr lang="en-US" dirty="0" smtClean="0"/>
-              <a:t>;  // default (package-private) visibility</a:t>
+              <a:t>    }</a:t>
             </a:r>
           </a:p>
           <a:p>
@@ -4095,6 +4118,11 @@
               <a:rPr lang="en-US" dirty="0" smtClean="0"/>
               <a:t>}</a:t>
             </a:r>
+          </a:p>
+          <a:p>
+            <a:pPr marL="0" indent="0">
+              <a:buNone/>
+            </a:pPr>
             <a:endParaRPr lang="en-US" dirty="0"/>
           </a:p>
         </p:txBody>
@@ -4102,7 +4130,7 @@
     </p:spTree>
     <p:extLst>
       <p:ext uri="{BB962C8B-B14F-4D97-AF65-F5344CB8AC3E}">
-        <p14:creationId xmlns:p14="http://schemas.microsoft.com/office/powerpoint/2010/main" val="1458714795"/>
+        <p14:creationId xmlns:p14="http://schemas.microsoft.com/office/powerpoint/2010/main" val="2495942061"/>
       </p:ext>
     </p:extLst>
   </p:cSld>
@@ -4146,7 +4174,7 @@
           <a:p>
             <a:r>
               <a:rPr lang="en-US" b="1" dirty="0"/>
-              <a:t>Getter and Setter Methods</a:t>
+              <a:t>Benefits of Encapsulation</a:t>
             </a:r>
             <a:endParaRPr lang="en-US" dirty="0"/>
           </a:p>
@@ -4168,15 +4196,35 @@
           <a:lstStyle/>
           <a:p>
             <a:r>
-              <a:rPr lang="en-US" dirty="0" smtClean="0"/>
-              <a:t>Encapsulation often involves using getter and setter methods to provide controlled access to the private fields of a class.</a:t>
-            </a:r>
-          </a:p>
-          <a:p>
-            <a:r>
-              <a:rPr lang="en-US" dirty="0" smtClean="0"/>
-              <a:t>Getter methods retrieve the value of a private field, and setter methods modify the value.</a:t>
-            </a:r>
+              <a:rPr lang="en-US" b="1" dirty="0"/>
+              <a:t>Data Hiding:</a:t>
+            </a:r>
+            <a:r>
+              <a:rPr lang="en-US" dirty="0"/>
+              <a:t> By marking fields as private, you hide the internal implementation details of a class from the outside world, preventing direct access to the data.</a:t>
+            </a:r>
+          </a:p>
+          <a:p>
+            <a:r>
+              <a:rPr lang="en-US" b="1" dirty="0"/>
+              <a:t>Controlled Access:</a:t>
+            </a:r>
+            <a:r>
+              <a:rPr lang="en-US" dirty="0"/>
+              <a:t> Access to the internal state is provided through well-defined getter and setter methods, allowing you to control how the data is accessed and modified.</a:t>
+            </a:r>
+          </a:p>
+          <a:p>
+            <a:r>
+              <a:rPr lang="en-US" b="1" dirty="0"/>
+              <a:t>Flexibility:</a:t>
+            </a:r>
+            <a:r>
+              <a:rPr lang="en-US" dirty="0"/>
+              <a:t> Encapsulation allows you to change the internal implementation (fields, methods) without affecting the external code that uses the class, promoting flexibility and maintainability.</a:t>
+            </a:r>
+          </a:p>
+          <a:p>
             <a:endParaRPr lang="en-US" dirty="0"/>
           </a:p>
         </p:txBody>
@@ -4184,7 +4232,7 @@
     </p:spTree>
     <p:extLst>
       <p:ext uri="{BB962C8B-B14F-4D97-AF65-F5344CB8AC3E}">
-        <p14:creationId xmlns:p14="http://schemas.microsoft.com/office/powerpoint/2010/main" val="722521418"/>
+        <p14:creationId xmlns:p14="http://schemas.microsoft.com/office/powerpoint/2010/main" val="816568984"/>
       </p:ext>
     </p:extLst>
   </p:cSld>
@@ -4227,10 +4275,9 @@
           <a:lstStyle/>
           <a:p>
             <a:r>
-              <a:rPr lang="en-US" dirty="0" smtClean="0"/>
-              <a:t>Java Class</a:t>
-            </a:r>
-            <a:endParaRPr lang="en-US" dirty="0"/>
+              <a:rPr lang="en-US" dirty="0"/>
+              <a:t>Inheritance</a:t>
+            </a:r>
           </a:p>
         </p:txBody>
       </p:sp>
@@ -4246,221 +4293,36 @@
         </p:nvSpPr>
         <p:spPr/>
         <p:txBody>
-          <a:bodyPr>
-            <a:normAutofit fontScale="62500" lnSpcReduction="20000"/>
-          </a:bodyPr>
-          <a:lstStyle/>
-          <a:p>
-            <a:pPr marL="0" indent="0">
-              <a:buNone/>
-            </a:pPr>
-            <a:r>
-              <a:rPr lang="en-US" dirty="0" smtClean="0"/>
-              <a:t>public class </a:t>
-            </a:r>
-            <a:r>
-              <a:rPr lang="en-US" dirty="0" err="1" smtClean="0"/>
-              <a:t>MyClass</a:t>
-            </a:r>
-            <a:r>
-              <a:rPr lang="en-US" dirty="0" smtClean="0"/>
-              <a:t> {</a:t>
-            </a:r>
-          </a:p>
-          <a:p>
-            <a:pPr marL="0" indent="0">
-              <a:buNone/>
-            </a:pPr>
-            <a:r>
-              <a:rPr lang="en-US" dirty="0" smtClean="0"/>
-              <a:t>    private </a:t>
-            </a:r>
-            <a:r>
-              <a:rPr lang="en-US" dirty="0" err="1" smtClean="0"/>
-              <a:t>int</a:t>
-            </a:r>
-            <a:r>
-              <a:rPr lang="en-US" dirty="0" smtClean="0"/>
-              <a:t> </a:t>
-            </a:r>
-            <a:r>
-              <a:rPr lang="en-US" dirty="0" err="1" smtClean="0"/>
-              <a:t>privateField</a:t>
-            </a:r>
-            <a:r>
-              <a:rPr lang="en-US" dirty="0" smtClean="0"/>
-              <a:t>;</a:t>
-            </a:r>
-          </a:p>
-          <a:p>
-            <a:pPr marL="0" indent="0">
-              <a:buNone/>
-            </a:pPr>
-            <a:endParaRPr lang="en-US" dirty="0" smtClean="0"/>
-          </a:p>
-          <a:p>
-            <a:pPr marL="0" indent="0">
-              <a:buNone/>
-            </a:pPr>
-            <a:r>
-              <a:rPr lang="en-US" dirty="0" smtClean="0"/>
-              <a:t>    // Getter method</a:t>
-            </a:r>
-          </a:p>
-          <a:p>
-            <a:pPr marL="0" indent="0">
-              <a:buNone/>
-            </a:pPr>
-            <a:r>
-              <a:rPr lang="en-US" dirty="0" smtClean="0"/>
-              <a:t>    public </a:t>
-            </a:r>
-            <a:r>
-              <a:rPr lang="en-US" dirty="0" err="1" smtClean="0"/>
-              <a:t>int</a:t>
-            </a:r>
-            <a:r>
-              <a:rPr lang="en-US" dirty="0" smtClean="0"/>
-              <a:t> </a:t>
-            </a:r>
-            <a:r>
-              <a:rPr lang="en-US" dirty="0" err="1" smtClean="0"/>
-              <a:t>getPrivateField</a:t>
-            </a:r>
-            <a:r>
-              <a:rPr lang="en-US" dirty="0" smtClean="0"/>
-              <a:t>() {</a:t>
-            </a:r>
-          </a:p>
-          <a:p>
-            <a:pPr marL="0" indent="0">
-              <a:buNone/>
-            </a:pPr>
-            <a:r>
-              <a:rPr lang="en-US" dirty="0" smtClean="0"/>
-              <a:t>        return </a:t>
-            </a:r>
-            <a:r>
-              <a:rPr lang="en-US" dirty="0" err="1" smtClean="0"/>
-              <a:t>privateField</a:t>
-            </a:r>
-            <a:r>
-              <a:rPr lang="en-US" dirty="0" smtClean="0"/>
-              <a:t>;</a:t>
-            </a:r>
-          </a:p>
-          <a:p>
-            <a:pPr marL="0" indent="0">
-              <a:buNone/>
-            </a:pPr>
-            <a:r>
-              <a:rPr lang="en-US" dirty="0" smtClean="0"/>
-              <a:t>    }</a:t>
-            </a:r>
-          </a:p>
-          <a:p>
-            <a:pPr marL="0" indent="0">
-              <a:buNone/>
-            </a:pPr>
-            <a:endParaRPr lang="en-US" dirty="0" smtClean="0"/>
-          </a:p>
-          <a:p>
-            <a:pPr marL="0" indent="0">
-              <a:buNone/>
-            </a:pPr>
-            <a:r>
-              <a:rPr lang="en-US" dirty="0" smtClean="0"/>
-              <a:t>    // Setter method</a:t>
-            </a:r>
-          </a:p>
-          <a:p>
-            <a:pPr marL="0" indent="0">
-              <a:buNone/>
-            </a:pPr>
-            <a:r>
-              <a:rPr lang="en-US" dirty="0" smtClean="0"/>
-              <a:t>    public void </a:t>
-            </a:r>
-            <a:r>
-              <a:rPr lang="en-US" dirty="0" err="1" smtClean="0"/>
-              <a:t>setPrivateField</a:t>
-            </a:r>
-            <a:r>
-              <a:rPr lang="en-US" dirty="0" smtClean="0"/>
-              <a:t>(</a:t>
-            </a:r>
-            <a:r>
-              <a:rPr lang="en-US" dirty="0" err="1" smtClean="0"/>
-              <a:t>int</a:t>
-            </a:r>
-            <a:r>
-              <a:rPr lang="en-US" dirty="0" smtClean="0"/>
-              <a:t> </a:t>
-            </a:r>
-            <a:r>
-              <a:rPr lang="en-US" dirty="0" err="1" smtClean="0"/>
-              <a:t>newValue</a:t>
-            </a:r>
-            <a:r>
-              <a:rPr lang="en-US" dirty="0" smtClean="0"/>
-              <a:t>) {</a:t>
-            </a:r>
-          </a:p>
-          <a:p>
-            <a:pPr marL="0" indent="0">
-              <a:buNone/>
-            </a:pPr>
-            <a:r>
-              <a:rPr lang="en-US" dirty="0" smtClean="0"/>
-              <a:t>        </a:t>
-            </a:r>
-            <a:r>
-              <a:rPr lang="en-US" dirty="0" err="1" smtClean="0"/>
-              <a:t>privateField</a:t>
-            </a:r>
-            <a:r>
-              <a:rPr lang="en-US" dirty="0" smtClean="0"/>
-              <a:t> = </a:t>
-            </a:r>
-            <a:r>
-              <a:rPr lang="en-US" dirty="0" err="1" smtClean="0"/>
-              <a:t>newValue</a:t>
-            </a:r>
-            <a:r>
-              <a:rPr lang="en-US" dirty="0" smtClean="0"/>
-              <a:t>;</a:t>
-            </a:r>
-          </a:p>
-          <a:p>
-            <a:pPr marL="0" indent="0">
-              <a:buNone/>
-            </a:pPr>
-            <a:r>
-              <a:rPr lang="en-US" dirty="0" smtClean="0"/>
-              <a:t>    }</a:t>
-            </a:r>
-          </a:p>
-          <a:p>
-            <a:pPr marL="0" indent="0">
-              <a:buNone/>
-            </a:pPr>
-            <a:r>
-              <a:rPr lang="en-US" dirty="0" smtClean="0"/>
-              <a:t>}</a:t>
-            </a:r>
-          </a:p>
-          <a:p>
-            <a:pPr marL="0" indent="0">
-              <a:buNone/>
-            </a:pPr>
-            <a:endParaRPr lang="en-US" dirty="0"/>
+          <a:bodyPr/>
+          <a:lstStyle/>
+          <a:p>
+            <a:r>
+              <a:rPr lang="en-US" dirty="0"/>
+              <a:t>Inheritance is a fundamental concept in object-oriented programming (OOP) that allows a new class to inherit the properties and behaviors of an existing class</a:t>
+            </a:r>
+            <a:r>
+              <a:rPr lang="en-US" dirty="0" smtClean="0"/>
+              <a:t>.</a:t>
+            </a:r>
+          </a:p>
+          <a:p>
+            <a:r>
+              <a:rPr lang="en-US" dirty="0" smtClean="0"/>
+              <a:t>In Java, the concept of inheritance is implemented using the extends keyword.</a:t>
+            </a:r>
+          </a:p>
+          <a:p>
+            <a:r>
+              <a:rPr lang="en-US" dirty="0"/>
+              <a:t>The class that is inherited from is called the superclass or base class, and the class that inherits is called the subclass or derived class.</a:t>
+            </a:r>
           </a:p>
         </p:txBody>
       </p:sp>
     </p:spTree>
     <p:extLst>
       <p:ext uri="{BB962C8B-B14F-4D97-AF65-F5344CB8AC3E}">
-        <p14:creationId xmlns:p14="http://schemas.microsoft.com/office/powerpoint/2010/main" val="2495942061"/>
+        <p14:creationId xmlns:p14="http://schemas.microsoft.com/office/powerpoint/2010/main" val="4134504523"/>
       </p:ext>
     </p:extLst>
   </p:cSld>
@@ -4504,7 +4366,7 @@
           <a:p>
             <a:r>
               <a:rPr lang="en-US" b="1" dirty="0"/>
-              <a:t>Benefits of Encapsulation</a:t>
+              <a:t>Superclass and Subclass</a:t>
             </a:r>
             <a:endParaRPr lang="en-US" dirty="0"/>
           </a:p>
@@ -4527,31 +4389,21 @@
           <a:p>
             <a:r>
               <a:rPr lang="en-US" b="1" dirty="0"/>
-              <a:t>Data Hiding:</a:t>
+              <a:t>Superclass (Base Class):</a:t>
             </a:r>
             <a:r>
               <a:rPr lang="en-US" dirty="0"/>
-              <a:t> By marking fields as private, you hide the internal implementation details of a class from the outside world, preventing direct access to the data.</a:t>
+              <a:t> The existing class whose properties and behaviors are inherited. It is also known as the parent class or base class.</a:t>
             </a:r>
           </a:p>
           <a:p>
             <a:r>
               <a:rPr lang="en-US" b="1" dirty="0"/>
-              <a:t>Controlled Access:</a:t>
+              <a:t>Subclass (Derived Class):</a:t>
             </a:r>
             <a:r>
               <a:rPr lang="en-US" dirty="0"/>
-              <a:t> Access to the internal state is provided through well-defined getter and setter methods, allowing you to control how the data is accessed and modified.</a:t>
-            </a:r>
-          </a:p>
-          <a:p>
-            <a:r>
-              <a:rPr lang="en-US" b="1" dirty="0"/>
-              <a:t>Flexibility:</a:t>
-            </a:r>
-            <a:r>
-              <a:rPr lang="en-US" dirty="0"/>
-              <a:t> Encapsulation allows you to change the internal implementation (fields, methods) without affecting the external code that uses the class, promoting flexibility and maintainability.</a:t>
+              <a:t> The new class that inherits properties and behaviors from the superclass. It is also known as the child class or derived class.</a:t>
             </a:r>
           </a:p>
           <a:p>
@@ -4562,7 +4414,7 @@
     </p:spTree>
     <p:extLst>
       <p:ext uri="{BB962C8B-B14F-4D97-AF65-F5344CB8AC3E}">
-        <p14:creationId xmlns:p14="http://schemas.microsoft.com/office/powerpoint/2010/main" val="816568984"/>
+        <p14:creationId xmlns:p14="http://schemas.microsoft.com/office/powerpoint/2010/main" val="1325667473"/>
       </p:ext>
     </p:extLst>
   </p:cSld>
@@ -4605,9 +4457,10 @@
           <a:lstStyle/>
           <a:p>
             <a:r>
-              <a:rPr lang="en-US" dirty="0"/>
-              <a:t>Inheritance</a:t>
-            </a:r>
+              <a:rPr lang="en-US" b="1" dirty="0"/>
+              <a:t>Syntax in Java</a:t>
+            </a:r>
+            <a:endParaRPr lang="en-US" dirty="0"/>
           </a:p>
         </p:txBody>
       </p:sp>
@@ -4627,32 +4480,17 @@
           <a:lstStyle/>
           <a:p>
             <a:r>
-              <a:rPr lang="en-US" dirty="0"/>
-              <a:t>Inheritance is a fundamental concept in object-oriented programming (OOP) that allows a new class to inherit the properties and behaviors of an existing class</a:t>
-            </a:r>
-            <a:r>
-              <a:rPr lang="en-US" dirty="0" smtClean="0"/>
-              <a:t>.</a:t>
-            </a:r>
-          </a:p>
-          <a:p>
-            <a:r>
-              <a:rPr lang="en-US" dirty="0" smtClean="0"/>
-              <a:t>In Java, the concept of inheritance is implemented using the extends keyword.</a:t>
-            </a:r>
-          </a:p>
-          <a:p>
-            <a:r>
-              <a:rPr lang="en-US" dirty="0"/>
-              <a:t>The class that is inherited from is called the superclass or base class, and the class that inherits is called the subclass or derived class.</a:t>
-            </a:r>
+              <a:rPr lang="en-US" dirty="0" smtClean="0"/>
+              <a:t>To inherit from a superclass, the extends keyword is used in the class declaration of the subclass</a:t>
+            </a:r>
+            <a:endParaRPr lang="en-US" dirty="0"/>
           </a:p>
         </p:txBody>
       </p:sp>
     </p:spTree>
     <p:extLst>
       <p:ext uri="{BB962C8B-B14F-4D97-AF65-F5344CB8AC3E}">
-        <p14:creationId xmlns:p14="http://schemas.microsoft.com/office/powerpoint/2010/main" val="4134504523"/>
+        <p14:creationId xmlns:p14="http://schemas.microsoft.com/office/powerpoint/2010/main" val="3123297369"/>
       </p:ext>
     </p:extLst>
   </p:cSld>
@@ -4826,8 +4664,8 @@
           <a:lstStyle/>
           <a:p>
             <a:r>
-              <a:rPr lang="en-US" b="1" dirty="0"/>
-              <a:t>Superclass and Subclass</a:t>
+              <a:rPr lang="en-US" dirty="0" smtClean="0"/>
+              <a:t>Inheritance in Java</a:t>
             </a:r>
             <a:endParaRPr lang="en-US" dirty="0"/>
           </a:p>
@@ -4845,29 +4683,148 @@
         </p:nvSpPr>
         <p:spPr/>
         <p:txBody>
-          <a:bodyPr/>
-          <a:lstStyle/>
-          <a:p>
-            <a:r>
-              <a:rPr lang="en-US" b="1" dirty="0"/>
-              <a:t>Superclass (Base Class):</a:t>
-            </a:r>
-            <a:r>
-              <a:rPr lang="en-US" dirty="0"/>
-              <a:t> The existing class whose properties and behaviors are inherited. It is also known as the parent class or base class.</a:t>
-            </a:r>
-          </a:p>
-          <a:p>
-            <a:r>
-              <a:rPr lang="en-US" b="1" dirty="0"/>
-              <a:t>Subclass (Derived Class):</a:t>
-            </a:r>
-            <a:r>
-              <a:rPr lang="en-US" dirty="0"/>
-              <a:t> The new class that inherits properties and behaviors from the superclass. It is also known as the child class or derived class.</a:t>
-            </a:r>
-          </a:p>
-          <a:p>
+          <a:bodyPr>
+            <a:normAutofit fontScale="55000" lnSpcReduction="20000"/>
+          </a:bodyPr>
+          <a:lstStyle/>
+          <a:p>
+            <a:pPr marL="0" indent="0">
+              <a:buNone/>
+            </a:pPr>
+            <a:r>
+              <a:rPr lang="en-US" dirty="0" smtClean="0"/>
+              <a:t>// Superclass</a:t>
+            </a:r>
+          </a:p>
+          <a:p>
+            <a:pPr marL="0" indent="0">
+              <a:buNone/>
+            </a:pPr>
+            <a:r>
+              <a:rPr lang="en-US" dirty="0" smtClean="0"/>
+              <a:t>class Animal {</a:t>
+            </a:r>
+          </a:p>
+          <a:p>
+            <a:pPr marL="0" indent="0">
+              <a:buNone/>
+            </a:pPr>
+            <a:r>
+              <a:rPr lang="en-US" dirty="0" smtClean="0"/>
+              <a:t>    void eat() {</a:t>
+            </a:r>
+          </a:p>
+          <a:p>
+            <a:pPr marL="0" indent="0">
+              <a:buNone/>
+            </a:pPr>
+            <a:r>
+              <a:rPr lang="en-US" dirty="0" smtClean="0"/>
+              <a:t>        </a:t>
+            </a:r>
+            <a:r>
+              <a:rPr lang="en-US" dirty="0" err="1" smtClean="0"/>
+              <a:t>System.out.println</a:t>
+            </a:r>
+            <a:r>
+              <a:rPr lang="en-US" dirty="0" smtClean="0"/>
+              <a:t>("Animal is eating");</a:t>
+            </a:r>
+          </a:p>
+          <a:p>
+            <a:pPr marL="0" indent="0">
+              <a:buNone/>
+            </a:pPr>
+            <a:r>
+              <a:rPr lang="en-US" dirty="0" smtClean="0"/>
+              <a:t>    }</a:t>
+            </a:r>
+          </a:p>
+          <a:p>
+            <a:pPr marL="0" indent="0">
+              <a:buNone/>
+            </a:pPr>
+            <a:r>
+              <a:rPr lang="en-US" dirty="0" smtClean="0"/>
+              <a:t>}</a:t>
+            </a:r>
+          </a:p>
+          <a:p>
+            <a:pPr marL="0" indent="0">
+              <a:buNone/>
+            </a:pPr>
+            <a:endParaRPr lang="en-US" dirty="0" smtClean="0"/>
+          </a:p>
+          <a:p>
+            <a:pPr marL="0" indent="0">
+              <a:buNone/>
+            </a:pPr>
+            <a:r>
+              <a:rPr lang="en-US" dirty="0" smtClean="0"/>
+              <a:t>// Subclass inheriting from Animal</a:t>
+            </a:r>
+          </a:p>
+          <a:p>
+            <a:pPr marL="0" indent="0">
+              <a:buNone/>
+            </a:pPr>
+            <a:r>
+              <a:rPr lang="en-US" dirty="0" smtClean="0"/>
+              <a:t>class Dog extends Animal {</a:t>
+            </a:r>
+          </a:p>
+          <a:p>
+            <a:pPr marL="0" indent="0">
+              <a:buNone/>
+            </a:pPr>
+            <a:r>
+              <a:rPr lang="en-US" dirty="0" smtClean="0"/>
+              <a:t>    void bark() {</a:t>
+            </a:r>
+          </a:p>
+          <a:p>
+            <a:pPr marL="0" indent="0">
+              <a:buNone/>
+            </a:pPr>
+            <a:r>
+              <a:rPr lang="en-US" dirty="0" smtClean="0"/>
+              <a:t>        </a:t>
+            </a:r>
+            <a:r>
+              <a:rPr lang="en-US" dirty="0" err="1" smtClean="0"/>
+              <a:t>System.out.println</a:t>
+            </a:r>
+            <a:r>
+              <a:rPr lang="en-US" dirty="0" smtClean="0"/>
+              <a:t>("Dog is barking");</a:t>
+            </a:r>
+          </a:p>
+          <a:p>
+            <a:pPr marL="0" indent="0">
+              <a:buNone/>
+            </a:pPr>
+            <a:r>
+              <a:rPr lang="en-US" dirty="0" smtClean="0"/>
+              <a:t>    }</a:t>
+            </a:r>
+          </a:p>
+          <a:p>
+            <a:pPr marL="0" indent="0">
+              <a:buNone/>
+            </a:pPr>
+            <a:r>
+              <a:rPr lang="en-US" dirty="0" smtClean="0"/>
+              <a:t>}</a:t>
+            </a:r>
+          </a:p>
+          <a:p>
+            <a:pPr marL="0" indent="0">
+              <a:buNone/>
+            </a:pPr>
+            <a:r>
+              <a:rPr lang="en-US" dirty="0" smtClean="0"/>
+              <a:t>In this example, Dog is a subclass of Animal. The Dog class inherits the eat method from the Animal class.</a:t>
+            </a:r>
             <a:endParaRPr lang="en-US" dirty="0"/>
           </a:p>
         </p:txBody>
@@ -4875,7 +4832,7 @@
     </p:spTree>
     <p:extLst>
       <p:ext uri="{BB962C8B-B14F-4D97-AF65-F5344CB8AC3E}">
-        <p14:creationId xmlns:p14="http://schemas.microsoft.com/office/powerpoint/2010/main" val="1325667473"/>
+        <p14:creationId xmlns:p14="http://schemas.microsoft.com/office/powerpoint/2010/main" val="2435769217"/>
       </p:ext>
     </p:extLst>
   </p:cSld>
@@ -4919,7 +4876,7 @@
           <a:p>
             <a:r>
               <a:rPr lang="en-US" b="1" dirty="0"/>
-              <a:t>Syntax in Java</a:t>
+              <a:t>Access to Members</a:t>
             </a:r>
             <a:endParaRPr lang="en-US" dirty="0"/>
           </a:p>
@@ -4941,17 +4898,16 @@
           <a:lstStyle/>
           <a:p>
             <a:r>
-              <a:rPr lang="en-US" dirty="0" smtClean="0"/>
-              <a:t>To inherit from a superclass, the extends keyword is used in the class declaration of the subclass</a:t>
-            </a:r>
-            <a:endParaRPr lang="en-US" dirty="0"/>
+              <a:rPr lang="en-US" dirty="0"/>
+              <a:t>In Java, a subclass inherits all the non-private members (fields and methods) of its superclass. Private members are not inherited but are still accessible through public or protected methods of the superclass.</a:t>
+            </a:r>
           </a:p>
         </p:txBody>
       </p:sp>
     </p:spTree>
     <p:extLst>
       <p:ext uri="{BB962C8B-B14F-4D97-AF65-F5344CB8AC3E}">
-        <p14:creationId xmlns:p14="http://schemas.microsoft.com/office/powerpoint/2010/main" val="3123297369"/>
+        <p14:creationId xmlns:p14="http://schemas.microsoft.com/office/powerpoint/2010/main" val="2314445412"/>
       </p:ext>
     </p:extLst>
   </p:cSld>
@@ -4994,8 +4950,8 @@
           <a:lstStyle/>
           <a:p>
             <a:r>
-              <a:rPr lang="en-US" dirty="0" smtClean="0"/>
-              <a:t>Inheritance in Java</a:t>
+              <a:rPr lang="en-US" b="1" dirty="0"/>
+              <a:t>Method Overriding</a:t>
             </a:r>
             <a:endParaRPr lang="en-US" dirty="0"/>
           </a:p>
@@ -5013,147 +4969,24 @@
         </p:nvSpPr>
         <p:spPr/>
         <p:txBody>
-          <a:bodyPr>
-            <a:normAutofit fontScale="55000" lnSpcReduction="20000"/>
-          </a:bodyPr>
-          <a:lstStyle/>
-          <a:p>
-            <a:pPr marL="0" indent="0">
-              <a:buNone/>
-            </a:pPr>
-            <a:r>
-              <a:rPr lang="en-US" dirty="0" smtClean="0"/>
-              <a:t>// Superclass</a:t>
-            </a:r>
-          </a:p>
-          <a:p>
-            <a:pPr marL="0" indent="0">
-              <a:buNone/>
-            </a:pPr>
-            <a:r>
-              <a:rPr lang="en-US" dirty="0" smtClean="0"/>
-              <a:t>class Animal {</a:t>
-            </a:r>
-          </a:p>
-          <a:p>
-            <a:pPr marL="0" indent="0">
-              <a:buNone/>
-            </a:pPr>
-            <a:r>
-              <a:rPr lang="en-US" dirty="0" smtClean="0"/>
-              <a:t>    void eat() {</a:t>
-            </a:r>
-          </a:p>
-          <a:p>
-            <a:pPr marL="0" indent="0">
-              <a:buNone/>
-            </a:pPr>
-            <a:r>
-              <a:rPr lang="en-US" dirty="0" smtClean="0"/>
-              <a:t>        </a:t>
-            </a:r>
-            <a:r>
-              <a:rPr lang="en-US" dirty="0" err="1" smtClean="0"/>
-              <a:t>System.out.println</a:t>
-            </a:r>
-            <a:r>
-              <a:rPr lang="en-US" dirty="0" smtClean="0"/>
-              <a:t>("Animal is eating");</a:t>
-            </a:r>
-          </a:p>
-          <a:p>
-            <a:pPr marL="0" indent="0">
-              <a:buNone/>
-            </a:pPr>
-            <a:r>
-              <a:rPr lang="en-US" dirty="0" smtClean="0"/>
-              <a:t>    }</a:t>
-            </a:r>
-          </a:p>
-          <a:p>
-            <a:pPr marL="0" indent="0">
-              <a:buNone/>
-            </a:pPr>
-            <a:r>
-              <a:rPr lang="en-US" dirty="0" smtClean="0"/>
-              <a:t>}</a:t>
-            </a:r>
-          </a:p>
-          <a:p>
-            <a:pPr marL="0" indent="0">
-              <a:buNone/>
-            </a:pPr>
-            <a:endParaRPr lang="en-US" dirty="0" smtClean="0"/>
-          </a:p>
-          <a:p>
-            <a:pPr marL="0" indent="0">
-              <a:buNone/>
-            </a:pPr>
-            <a:r>
-              <a:rPr lang="en-US" dirty="0" smtClean="0"/>
-              <a:t>// Subclass inheriting from Animal</a:t>
-            </a:r>
-          </a:p>
-          <a:p>
-            <a:pPr marL="0" indent="0">
-              <a:buNone/>
-            </a:pPr>
-            <a:r>
-              <a:rPr lang="en-US" dirty="0" smtClean="0"/>
-              <a:t>class Dog extends Animal {</a:t>
-            </a:r>
-          </a:p>
-          <a:p>
-            <a:pPr marL="0" indent="0">
-              <a:buNone/>
-            </a:pPr>
-            <a:r>
-              <a:rPr lang="en-US" dirty="0" smtClean="0"/>
-              <a:t>    void bark() {</a:t>
-            </a:r>
-          </a:p>
-          <a:p>
-            <a:pPr marL="0" indent="0">
-              <a:buNone/>
-            </a:pPr>
-            <a:r>
-              <a:rPr lang="en-US" dirty="0" smtClean="0"/>
-              <a:t>        </a:t>
-            </a:r>
-            <a:r>
-              <a:rPr lang="en-US" dirty="0" err="1" smtClean="0"/>
-              <a:t>System.out.println</a:t>
-            </a:r>
-            <a:r>
-              <a:rPr lang="en-US" dirty="0" smtClean="0"/>
-              <a:t>("Dog is barking");</a:t>
-            </a:r>
-          </a:p>
-          <a:p>
-            <a:pPr marL="0" indent="0">
-              <a:buNone/>
-            </a:pPr>
-            <a:r>
-              <a:rPr lang="en-US" dirty="0" smtClean="0"/>
-              <a:t>    }</a:t>
-            </a:r>
-          </a:p>
-          <a:p>
-            <a:pPr marL="0" indent="0">
-              <a:buNone/>
-            </a:pPr>
-            <a:r>
-              <a:rPr lang="en-US" dirty="0" smtClean="0"/>
-              <a:t>}</a:t>
-            </a:r>
-          </a:p>
-          <a:p>
-            <a:pPr marL="0" indent="0">
-              <a:buNone/>
-            </a:pPr>
-            <a:r>
-              <a:rPr lang="en-US" dirty="0" smtClean="0"/>
-              <a:t>In this example, Dog is a subclass of Animal. The Dog class inherits the eat method from the Animal class.</a:t>
+          <a:bodyPr/>
+          <a:lstStyle/>
+          <a:p>
+            <a:r>
+              <a:rPr lang="en-US" dirty="0" smtClean="0"/>
+              <a:t>A subclass can provide a specific implementation for a method that is already defined in its superclass. </a:t>
+            </a:r>
+          </a:p>
+          <a:p>
+            <a:r>
+              <a:rPr lang="en-US" dirty="0" smtClean="0"/>
+              <a:t>This is known as method overriding. </a:t>
+            </a:r>
+          </a:p>
+          <a:p>
+            <a:r>
+              <a:rPr lang="en-US" dirty="0" smtClean="0"/>
+              <a:t>The @Override annotation is used to indicate that a method in the subclass is intended to override a method in the superclass.</a:t>
             </a:r>
             <a:endParaRPr lang="en-US" dirty="0"/>
           </a:p>
@@ -5162,7 +4995,7 @@
     </p:spTree>
     <p:extLst>
       <p:ext uri="{BB962C8B-B14F-4D97-AF65-F5344CB8AC3E}">
-        <p14:creationId xmlns:p14="http://schemas.microsoft.com/office/powerpoint/2010/main" val="2435769217"/>
+        <p14:creationId xmlns:p14="http://schemas.microsoft.com/office/powerpoint/2010/main" val="3739363196"/>
       </p:ext>
     </p:extLst>
   </p:cSld>
@@ -5205,8 +5038,8 @@
           <a:lstStyle/>
           <a:p>
             <a:r>
-              <a:rPr lang="en-US" b="1" dirty="0"/>
-              <a:t>Access to Members</a:t>
+              <a:rPr lang="en-US" dirty="0" smtClean="0"/>
+              <a:t>Java Class</a:t>
             </a:r>
             <a:endParaRPr lang="en-US" dirty="0"/>
           </a:p>
@@ -5224,20 +5057,197 @@
         </p:nvSpPr>
         <p:spPr/>
         <p:txBody>
-          <a:bodyPr/>
-          <a:lstStyle/>
-          <a:p>
-            <a:r>
-              <a:rPr lang="en-US" dirty="0"/>
-              <a:t>In Java, a subclass inherits all the non-private members (fields and methods) of its superclass. Private members are not inherited but are still accessible through public or protected methods of the superclass.</a:t>
-            </a:r>
+          <a:bodyPr>
+            <a:normAutofit fontScale="55000" lnSpcReduction="20000"/>
+          </a:bodyPr>
+          <a:lstStyle/>
+          <a:p>
+            <a:pPr marL="0" indent="0">
+              <a:buNone/>
+            </a:pPr>
+            <a:r>
+              <a:rPr lang="en-US" dirty="0" smtClean="0"/>
+              <a:t>// Superclass</a:t>
+            </a:r>
+          </a:p>
+          <a:p>
+            <a:pPr marL="0" indent="0">
+              <a:buNone/>
+            </a:pPr>
+            <a:r>
+              <a:rPr lang="en-US" dirty="0" smtClean="0"/>
+              <a:t>class Animal {</a:t>
+            </a:r>
+          </a:p>
+          <a:p>
+            <a:pPr marL="0" indent="0">
+              <a:buNone/>
+            </a:pPr>
+            <a:r>
+              <a:rPr lang="en-US" dirty="0" smtClean="0"/>
+              <a:t>    void </a:t>
+            </a:r>
+            <a:r>
+              <a:rPr lang="en-US" dirty="0" err="1" smtClean="0"/>
+              <a:t>makeSound</a:t>
+            </a:r>
+            <a:r>
+              <a:rPr lang="en-US" dirty="0" smtClean="0"/>
+              <a:t>() {</a:t>
+            </a:r>
+          </a:p>
+          <a:p>
+            <a:pPr marL="0" indent="0">
+              <a:buNone/>
+            </a:pPr>
+            <a:r>
+              <a:rPr lang="en-US" dirty="0" smtClean="0"/>
+              <a:t>        </a:t>
+            </a:r>
+            <a:r>
+              <a:rPr lang="en-US" dirty="0" err="1" smtClean="0"/>
+              <a:t>System.out.println</a:t>
+            </a:r>
+            <a:r>
+              <a:rPr lang="en-US" dirty="0" smtClean="0"/>
+              <a:t>("Animal makes a sound");</a:t>
+            </a:r>
+          </a:p>
+          <a:p>
+            <a:pPr marL="0" indent="0">
+              <a:buNone/>
+            </a:pPr>
+            <a:r>
+              <a:rPr lang="en-US" dirty="0" smtClean="0"/>
+              <a:t>    }</a:t>
+            </a:r>
+          </a:p>
+          <a:p>
+            <a:pPr marL="0" indent="0">
+              <a:buNone/>
+            </a:pPr>
+            <a:r>
+              <a:rPr lang="en-US" dirty="0" smtClean="0"/>
+              <a:t>}</a:t>
+            </a:r>
+          </a:p>
+          <a:p>
+            <a:pPr marL="0" indent="0">
+              <a:buNone/>
+            </a:pPr>
+            <a:endParaRPr lang="en-US" dirty="0" smtClean="0"/>
+          </a:p>
+          <a:p>
+            <a:pPr marL="0" indent="0">
+              <a:buNone/>
+            </a:pPr>
+            <a:r>
+              <a:rPr lang="en-US" dirty="0" smtClean="0"/>
+              <a:t>// Subclass overriding </a:t>
+            </a:r>
+            <a:r>
+              <a:rPr lang="en-US" dirty="0" err="1" smtClean="0"/>
+              <a:t>makeSound</a:t>
+            </a:r>
+            <a:r>
+              <a:rPr lang="en-US" dirty="0" smtClean="0"/>
+              <a:t> method</a:t>
+            </a:r>
+          </a:p>
+          <a:p>
+            <a:pPr marL="0" indent="0">
+              <a:buNone/>
+            </a:pPr>
+            <a:r>
+              <a:rPr lang="en-US" dirty="0" smtClean="0"/>
+              <a:t>class Dog extends Animal {</a:t>
+            </a:r>
+          </a:p>
+          <a:p>
+            <a:pPr marL="0" indent="0">
+              <a:buNone/>
+            </a:pPr>
+            <a:r>
+              <a:rPr lang="en-US" dirty="0" smtClean="0"/>
+              <a:t>    @Override</a:t>
+            </a:r>
+          </a:p>
+          <a:p>
+            <a:pPr marL="0" indent="0">
+              <a:buNone/>
+            </a:pPr>
+            <a:r>
+              <a:rPr lang="en-US" dirty="0" smtClean="0"/>
+              <a:t>    void </a:t>
+            </a:r>
+            <a:r>
+              <a:rPr lang="en-US" dirty="0" err="1" smtClean="0"/>
+              <a:t>makeSound</a:t>
+            </a:r>
+            <a:r>
+              <a:rPr lang="en-US" dirty="0" smtClean="0"/>
+              <a:t>() {</a:t>
+            </a:r>
+          </a:p>
+          <a:p>
+            <a:pPr marL="0" indent="0">
+              <a:buNone/>
+            </a:pPr>
+            <a:r>
+              <a:rPr lang="en-US" dirty="0" smtClean="0"/>
+              <a:t>        </a:t>
+            </a:r>
+            <a:r>
+              <a:rPr lang="en-US" dirty="0" err="1" smtClean="0"/>
+              <a:t>System.out.println</a:t>
+            </a:r>
+            <a:r>
+              <a:rPr lang="en-US" dirty="0" smtClean="0"/>
+              <a:t>("Dog barks");</a:t>
+            </a:r>
+          </a:p>
+          <a:p>
+            <a:pPr marL="0" indent="0">
+              <a:buNone/>
+            </a:pPr>
+            <a:r>
+              <a:rPr lang="en-US" dirty="0" smtClean="0"/>
+              <a:t>    }</a:t>
+            </a:r>
+          </a:p>
+          <a:p>
+            <a:pPr marL="0" indent="0">
+              <a:buNone/>
+            </a:pPr>
+            <a:r>
+              <a:rPr lang="en-US" dirty="0" smtClean="0"/>
+              <a:t>}</a:t>
+            </a:r>
+          </a:p>
+          <a:p>
+            <a:pPr marL="0" indent="0">
+              <a:buNone/>
+            </a:pPr>
+            <a:r>
+              <a:rPr lang="en-US" dirty="0" smtClean="0"/>
+              <a:t>In this example, the Dog class provides a specific implementation for the </a:t>
+            </a:r>
+            <a:r>
+              <a:rPr lang="en-US" dirty="0" err="1" smtClean="0"/>
+              <a:t>makeSound</a:t>
+            </a:r>
+            <a:r>
+              <a:rPr lang="en-US" dirty="0" smtClean="0"/>
+              <a:t> method defined in the Animal class.</a:t>
+            </a:r>
+            <a:endParaRPr lang="en-US" dirty="0"/>
           </a:p>
         </p:txBody>
       </p:sp>
     </p:spTree>
     <p:extLst>
       <p:ext uri="{BB962C8B-B14F-4D97-AF65-F5344CB8AC3E}">
-        <p14:creationId xmlns:p14="http://schemas.microsoft.com/office/powerpoint/2010/main" val="2314445412"/>
+        <p14:creationId xmlns:p14="http://schemas.microsoft.com/office/powerpoint/2010/main" val="2681722994"/>
       </p:ext>
     </p:extLst>
   </p:cSld>
@@ -5281,346 +5291,6 @@
           <a:p>
             <a:r>
               <a:rPr lang="en-US" b="1" dirty="0"/>
-              <a:t>Method Overriding</a:t>
-            </a:r>
-            <a:endParaRPr lang="en-US" dirty="0"/>
-          </a:p>
-        </p:txBody>
-      </p:sp>
-      <p:sp>
-        <p:nvSpPr>
-          <p:cNvPr id="3" name="Content Placeholder 2"/>
-          <p:cNvSpPr>
-            <a:spLocks noGrp="1"/>
-          </p:cNvSpPr>
-          <p:nvPr>
-            <p:ph idx="1"/>
-          </p:nvPr>
-        </p:nvSpPr>
-        <p:spPr/>
-        <p:txBody>
-          <a:bodyPr/>
-          <a:lstStyle/>
-          <a:p>
-            <a:r>
-              <a:rPr lang="en-US" dirty="0" smtClean="0"/>
-              <a:t>A subclass can provide a specific implementation for a method that is already defined in its superclass. </a:t>
-            </a:r>
-          </a:p>
-          <a:p>
-            <a:r>
-              <a:rPr lang="en-US" dirty="0" smtClean="0"/>
-              <a:t>This is known as method overriding. </a:t>
-            </a:r>
-          </a:p>
-          <a:p>
-            <a:r>
-              <a:rPr lang="en-US" dirty="0" smtClean="0"/>
-              <a:t>The @Override annotation is used to indicate that a method in the subclass is intended to override a method in the superclass.</a:t>
-            </a:r>
-            <a:endParaRPr lang="en-US" dirty="0"/>
-          </a:p>
-        </p:txBody>
-      </p:sp>
-    </p:spTree>
-    <p:extLst>
-      <p:ext uri="{BB962C8B-B14F-4D97-AF65-F5344CB8AC3E}">
-        <p14:creationId xmlns:p14="http://schemas.microsoft.com/office/powerpoint/2010/main" val="3739363196"/>
-      </p:ext>
-    </p:extLst>
-  </p:cSld>
-  <p:clrMapOvr>
-    <a:masterClrMapping/>
-  </p:clrMapOvr>
-</p:sld>
-</file>
-
-<file path=ppt/slides/slide25.xml><?xml version="1.0" encoding="utf-8"?>
-<p:sld xmlns:a="http://schemas.openxmlformats.org/drawingml/2006/main" xmlns:r="http://schemas.openxmlformats.org/officeDocument/2006/relationships" xmlns:p="http://schemas.openxmlformats.org/presentationml/2006/main">
-  <p:cSld>
-    <p:spTree>
-      <p:nvGrpSpPr>
-        <p:cNvPr id="1" name=""/>
-        <p:cNvGrpSpPr/>
-        <p:nvPr/>
-      </p:nvGrpSpPr>
-      <p:grpSpPr>
-        <a:xfrm>
-          <a:off x="0" y="0"/>
-          <a:ext cx="0" cy="0"/>
-          <a:chOff x="0" y="0"/>
-          <a:chExt cx="0" cy="0"/>
-        </a:xfrm>
-      </p:grpSpPr>
-      <p:sp>
-        <p:nvSpPr>
-          <p:cNvPr id="2" name="Title 1"/>
-          <p:cNvSpPr>
-            <a:spLocks noGrp="1"/>
-          </p:cNvSpPr>
-          <p:nvPr>
-            <p:ph type="title"/>
-          </p:nvPr>
-        </p:nvSpPr>
-        <p:spPr/>
-        <p:txBody>
-          <a:bodyPr/>
-          <a:lstStyle/>
-          <a:p>
-            <a:r>
-              <a:rPr lang="en-US" dirty="0" smtClean="0"/>
-              <a:t>Java Class</a:t>
-            </a:r>
-            <a:endParaRPr lang="en-US" dirty="0"/>
-          </a:p>
-        </p:txBody>
-      </p:sp>
-      <p:sp>
-        <p:nvSpPr>
-          <p:cNvPr id="3" name="Content Placeholder 2"/>
-          <p:cNvSpPr>
-            <a:spLocks noGrp="1"/>
-          </p:cNvSpPr>
-          <p:nvPr>
-            <p:ph idx="1"/>
-          </p:nvPr>
-        </p:nvSpPr>
-        <p:spPr/>
-        <p:txBody>
-          <a:bodyPr>
-            <a:normAutofit fontScale="55000" lnSpcReduction="20000"/>
-          </a:bodyPr>
-          <a:lstStyle/>
-          <a:p>
-            <a:pPr marL="0" indent="0">
-              <a:buNone/>
-            </a:pPr>
-            <a:r>
-              <a:rPr lang="en-US" dirty="0" smtClean="0"/>
-              <a:t>// Superclass</a:t>
-            </a:r>
-          </a:p>
-          <a:p>
-            <a:pPr marL="0" indent="0">
-              <a:buNone/>
-            </a:pPr>
-            <a:r>
-              <a:rPr lang="en-US" dirty="0" smtClean="0"/>
-              <a:t>class Animal {</a:t>
-            </a:r>
-          </a:p>
-          <a:p>
-            <a:pPr marL="0" indent="0">
-              <a:buNone/>
-            </a:pPr>
-            <a:r>
-              <a:rPr lang="en-US" dirty="0" smtClean="0"/>
-              <a:t>    void </a:t>
-            </a:r>
-            <a:r>
-              <a:rPr lang="en-US" dirty="0" err="1" smtClean="0"/>
-              <a:t>makeSound</a:t>
-            </a:r>
-            <a:r>
-              <a:rPr lang="en-US" dirty="0" smtClean="0"/>
-              <a:t>() {</a:t>
-            </a:r>
-          </a:p>
-          <a:p>
-            <a:pPr marL="0" indent="0">
-              <a:buNone/>
-            </a:pPr>
-            <a:r>
-              <a:rPr lang="en-US" dirty="0" smtClean="0"/>
-              <a:t>        </a:t>
-            </a:r>
-            <a:r>
-              <a:rPr lang="en-US" dirty="0" err="1" smtClean="0"/>
-              <a:t>System.out.println</a:t>
-            </a:r>
-            <a:r>
-              <a:rPr lang="en-US" dirty="0" smtClean="0"/>
-              <a:t>("Animal makes a sound");</a:t>
-            </a:r>
-          </a:p>
-          <a:p>
-            <a:pPr marL="0" indent="0">
-              <a:buNone/>
-            </a:pPr>
-            <a:r>
-              <a:rPr lang="en-US" dirty="0" smtClean="0"/>
-              <a:t>    }</a:t>
-            </a:r>
-          </a:p>
-          <a:p>
-            <a:pPr marL="0" indent="0">
-              <a:buNone/>
-            </a:pPr>
-            <a:r>
-              <a:rPr lang="en-US" dirty="0" smtClean="0"/>
-              <a:t>}</a:t>
-            </a:r>
-          </a:p>
-          <a:p>
-            <a:pPr marL="0" indent="0">
-              <a:buNone/>
-            </a:pPr>
-            <a:endParaRPr lang="en-US" dirty="0" smtClean="0"/>
-          </a:p>
-          <a:p>
-            <a:pPr marL="0" indent="0">
-              <a:buNone/>
-            </a:pPr>
-            <a:r>
-              <a:rPr lang="en-US" dirty="0" smtClean="0"/>
-              <a:t>// Subclass overriding </a:t>
-            </a:r>
-            <a:r>
-              <a:rPr lang="en-US" dirty="0" err="1" smtClean="0"/>
-              <a:t>makeSound</a:t>
-            </a:r>
-            <a:r>
-              <a:rPr lang="en-US" dirty="0" smtClean="0"/>
-              <a:t> method</a:t>
-            </a:r>
-          </a:p>
-          <a:p>
-            <a:pPr marL="0" indent="0">
-              <a:buNone/>
-            </a:pPr>
-            <a:r>
-              <a:rPr lang="en-US" dirty="0" smtClean="0"/>
-              <a:t>class Dog extends Animal {</a:t>
-            </a:r>
-          </a:p>
-          <a:p>
-            <a:pPr marL="0" indent="0">
-              <a:buNone/>
-            </a:pPr>
-            <a:r>
-              <a:rPr lang="en-US" dirty="0" smtClean="0"/>
-              <a:t>    @Override</a:t>
-            </a:r>
-          </a:p>
-          <a:p>
-            <a:pPr marL="0" indent="0">
-              <a:buNone/>
-            </a:pPr>
-            <a:r>
-              <a:rPr lang="en-US" dirty="0" smtClean="0"/>
-              <a:t>    void </a:t>
-            </a:r>
-            <a:r>
-              <a:rPr lang="en-US" dirty="0" err="1" smtClean="0"/>
-              <a:t>makeSound</a:t>
-            </a:r>
-            <a:r>
-              <a:rPr lang="en-US" dirty="0" smtClean="0"/>
-              <a:t>() {</a:t>
-            </a:r>
-          </a:p>
-          <a:p>
-            <a:pPr marL="0" indent="0">
-              <a:buNone/>
-            </a:pPr>
-            <a:r>
-              <a:rPr lang="en-US" dirty="0" smtClean="0"/>
-              <a:t>        </a:t>
-            </a:r>
-            <a:r>
-              <a:rPr lang="en-US" dirty="0" err="1" smtClean="0"/>
-              <a:t>System.out.println</a:t>
-            </a:r>
-            <a:r>
-              <a:rPr lang="en-US" dirty="0" smtClean="0"/>
-              <a:t>("Dog barks");</a:t>
-            </a:r>
-          </a:p>
-          <a:p>
-            <a:pPr marL="0" indent="0">
-              <a:buNone/>
-            </a:pPr>
-            <a:r>
-              <a:rPr lang="en-US" dirty="0" smtClean="0"/>
-              <a:t>    }</a:t>
-            </a:r>
-          </a:p>
-          <a:p>
-            <a:pPr marL="0" indent="0">
-              <a:buNone/>
-            </a:pPr>
-            <a:r>
-              <a:rPr lang="en-US" dirty="0" smtClean="0"/>
-              <a:t>}</a:t>
-            </a:r>
-          </a:p>
-          <a:p>
-            <a:pPr marL="0" indent="0">
-              <a:buNone/>
-            </a:pPr>
-            <a:r>
-              <a:rPr lang="en-US" dirty="0" smtClean="0"/>
-              <a:t>In this example, the Dog class provides a specific implementation for the </a:t>
-            </a:r>
-            <a:r>
-              <a:rPr lang="en-US" dirty="0" err="1" smtClean="0"/>
-              <a:t>makeSound</a:t>
-            </a:r>
-            <a:r>
-              <a:rPr lang="en-US" dirty="0" smtClean="0"/>
-              <a:t> method defined in the Animal class.</a:t>
-            </a:r>
-            <a:endParaRPr lang="en-US" dirty="0"/>
-          </a:p>
-        </p:txBody>
-      </p:sp>
-    </p:spTree>
-    <p:extLst>
-      <p:ext uri="{BB962C8B-B14F-4D97-AF65-F5344CB8AC3E}">
-        <p14:creationId xmlns:p14="http://schemas.microsoft.com/office/powerpoint/2010/main" val="2681722994"/>
-      </p:ext>
-    </p:extLst>
-  </p:cSld>
-  <p:clrMapOvr>
-    <a:masterClrMapping/>
-  </p:clrMapOvr>
-</p:sld>
-</file>
-
-<file path=ppt/slides/slide26.xml><?xml version="1.0" encoding="utf-8"?>
-<p:sld xmlns:a="http://schemas.openxmlformats.org/drawingml/2006/main" xmlns:r="http://schemas.openxmlformats.org/officeDocument/2006/relationships" xmlns:p="http://schemas.openxmlformats.org/presentationml/2006/main">
-  <p:cSld>
-    <p:spTree>
-      <p:nvGrpSpPr>
-        <p:cNvPr id="1" name=""/>
-        <p:cNvGrpSpPr/>
-        <p:nvPr/>
-      </p:nvGrpSpPr>
-      <p:grpSpPr>
-        <a:xfrm>
-          <a:off x="0" y="0"/>
-          <a:ext cx="0" cy="0"/>
-          <a:chOff x="0" y="0"/>
-          <a:chExt cx="0" cy="0"/>
-        </a:xfrm>
-      </p:grpSpPr>
-      <p:sp>
-        <p:nvSpPr>
-          <p:cNvPr id="2" name="Title 1"/>
-          <p:cNvSpPr>
-            <a:spLocks noGrp="1"/>
-          </p:cNvSpPr>
-          <p:nvPr>
-            <p:ph type="title"/>
-          </p:nvPr>
-        </p:nvSpPr>
-        <p:spPr/>
-        <p:txBody>
-          <a:bodyPr/>
-          <a:lstStyle/>
-          <a:p>
-            <a:r>
-              <a:rPr lang="en-US" b="1" dirty="0"/>
               <a:t>Constructor Chaining</a:t>
             </a:r>
             <a:endParaRPr lang="en-US" dirty="0"/>
@@ -5662,7 +5332,7 @@
 </p:sld>
 </file>
 
-<file path=ppt/slides/slide27.xml><?xml version="1.0" encoding="utf-8"?>
+<file path=ppt/slides/slide25.xml><?xml version="1.0" encoding="utf-8"?>
 <p:sld xmlns:a="http://schemas.openxmlformats.org/drawingml/2006/main" xmlns:r="http://schemas.openxmlformats.org/officeDocument/2006/relationships" xmlns:p="http://schemas.openxmlformats.org/presentationml/2006/main">
   <p:cSld>
     <p:spTree>
@@ -6300,8 +5970,12 @@
           <a:lstStyle/>
           <a:p>
             <a:r>
+              <a:rPr lang="en-US" b="1" dirty="0"/>
+              <a:t>Classes in </a:t>
+            </a:r>
+            <a:r>
               <a:rPr lang="en-US" b="1" dirty="0" smtClean="0"/>
-              <a:t>5. Polymorphism</a:t>
+              <a:t>Java</a:t>
             </a:r>
             <a:endParaRPr lang="en-US" dirty="0"/>
           </a:p>
@@ -6324,26 +5998,29 @@
           <a:p>
             <a:r>
               <a:rPr lang="en-US" dirty="0"/>
-              <a:t>Polymorphism allows objects to be treated as instances of their parent class. </a:t>
+              <a:t>A class in Java is a blueprint or template that defines the properties (attributes) and behaviors (methods) that objects of the class will have. </a:t>
             </a:r>
             <a:endParaRPr lang="en-US" dirty="0" smtClean="0"/>
           </a:p>
           <a:p>
             <a:r>
               <a:rPr lang="en-US" dirty="0" smtClean="0"/>
-              <a:t>There </a:t>
+              <a:t>It </a:t>
             </a:r>
             <a:r>
               <a:rPr lang="en-US" dirty="0"/>
-              <a:t>are two types: compile-time polymorphism (method overloading) and run-time polymorphism (method overriding). It enables flexibility in handling different types of objects through a common interface.</a:t>
-            </a:r>
+              <a:t>is a user-defined data type that encapsulates data and methods that operate on that data.</a:t>
+            </a:r>
+          </a:p>
+          <a:p>
+            <a:endParaRPr lang="en-US" dirty="0"/>
           </a:p>
         </p:txBody>
       </p:sp>
     </p:spTree>
     <p:extLst>
       <p:ext uri="{BB962C8B-B14F-4D97-AF65-F5344CB8AC3E}">
-        <p14:creationId xmlns:p14="http://schemas.microsoft.com/office/powerpoint/2010/main" val="1015932579"/>
+        <p14:creationId xmlns:p14="http://schemas.microsoft.com/office/powerpoint/2010/main" val="3434728673"/>
       </p:ext>
     </p:extLst>
   </p:cSld>
@@ -6386,8 +6063,8 @@
           <a:lstStyle/>
           <a:p>
             <a:r>
-              <a:rPr lang="en-US" b="1" dirty="0" smtClean="0"/>
-              <a:t>6. Abstraction</a:t>
+              <a:rPr lang="en-US" dirty="0" smtClean="0"/>
+              <a:t>A Simple Java Class</a:t>
             </a:r>
             <a:endParaRPr lang="en-US" dirty="0"/>
           </a:p>
@@ -6405,31 +6082,170 @@
         </p:nvSpPr>
         <p:spPr/>
         <p:txBody>
-          <a:bodyPr/>
-          <a:lstStyle/>
-          <a:p>
-            <a:r>
-              <a:rPr lang="en-US" dirty="0"/>
-              <a:t>Abstraction involves simplifying complex systems by modeling classes based on the essential features they share. </a:t>
-            </a:r>
+          <a:bodyPr>
+            <a:normAutofit fontScale="47500" lnSpcReduction="20000"/>
+          </a:bodyPr>
+          <a:lstStyle/>
+          <a:p>
+            <a:pPr marL="0" indent="0">
+              <a:buNone/>
+            </a:pPr>
+            <a:r>
+              <a:rPr lang="en-US" dirty="0" smtClean="0"/>
+              <a:t>public class Car {</a:t>
+            </a:r>
+          </a:p>
+          <a:p>
+            <a:pPr marL="0" indent="0">
+              <a:buNone/>
+            </a:pPr>
+            <a:r>
+              <a:rPr lang="en-US" dirty="0" smtClean="0"/>
+              <a:t>    // Fields or attributes</a:t>
+            </a:r>
+          </a:p>
+          <a:p>
+            <a:pPr marL="0" indent="0">
+              <a:buNone/>
+            </a:pPr>
+            <a:r>
+              <a:rPr lang="en-US" dirty="0" smtClean="0"/>
+              <a:t>    String model;</a:t>
+            </a:r>
+          </a:p>
+          <a:p>
+            <a:pPr marL="0" indent="0">
+              <a:buNone/>
+            </a:pPr>
+            <a:r>
+              <a:rPr lang="en-US" dirty="0" smtClean="0"/>
+              <a:t>    </a:t>
+            </a:r>
+            <a:r>
+              <a:rPr lang="en-US" dirty="0" err="1" smtClean="0"/>
+              <a:t>int</a:t>
+            </a:r>
+            <a:r>
+              <a:rPr lang="en-US" dirty="0" smtClean="0"/>
+              <a:t> year;</a:t>
+            </a:r>
+          </a:p>
+          <a:p>
+            <a:pPr marL="0" indent="0">
+              <a:buNone/>
+            </a:pPr>
             <a:endParaRPr lang="en-US" dirty="0" smtClean="0"/>
           </a:p>
           <a:p>
-            <a:r>
-              <a:rPr lang="en-US" dirty="0" smtClean="0"/>
-              <a:t>Abstract </a:t>
-            </a:r>
-            <a:r>
-              <a:rPr lang="en-US" dirty="0"/>
-              <a:t>classes and interfaces are used to define abstract types that provide a blueprint for concrete classes.</a:t>
-            </a:r>
+            <a:pPr marL="0" indent="0">
+              <a:buNone/>
+            </a:pPr>
+            <a:r>
+              <a:rPr lang="en-US" dirty="0" smtClean="0"/>
+              <a:t>    // Methods or behaviors</a:t>
+            </a:r>
+          </a:p>
+          <a:p>
+            <a:pPr marL="0" indent="0">
+              <a:buNone/>
+            </a:pPr>
+            <a:r>
+              <a:rPr lang="en-US" dirty="0" smtClean="0"/>
+              <a:t>    void start() {</a:t>
+            </a:r>
+          </a:p>
+          <a:p>
+            <a:pPr marL="0" indent="0">
+              <a:buNone/>
+            </a:pPr>
+            <a:r>
+              <a:rPr lang="en-US" dirty="0" smtClean="0"/>
+              <a:t>        </a:t>
+            </a:r>
+            <a:r>
+              <a:rPr lang="en-US" dirty="0" err="1" smtClean="0"/>
+              <a:t>System.out.println</a:t>
+            </a:r>
+            <a:r>
+              <a:rPr lang="en-US" dirty="0" smtClean="0"/>
+              <a:t>("Car is starting");</a:t>
+            </a:r>
+          </a:p>
+          <a:p>
+            <a:pPr marL="0" indent="0">
+              <a:buNone/>
+            </a:pPr>
+            <a:r>
+              <a:rPr lang="en-US" dirty="0" smtClean="0"/>
+              <a:t>    }</a:t>
+            </a:r>
+          </a:p>
+          <a:p>
+            <a:pPr marL="0" indent="0">
+              <a:buNone/>
+            </a:pPr>
+            <a:endParaRPr lang="en-US" dirty="0" smtClean="0"/>
+          </a:p>
+          <a:p>
+            <a:pPr marL="0" indent="0">
+              <a:buNone/>
+            </a:pPr>
+            <a:r>
+              <a:rPr lang="en-US" dirty="0" smtClean="0"/>
+              <a:t>    void accelerate() {</a:t>
+            </a:r>
+          </a:p>
+          <a:p>
+            <a:pPr marL="0" indent="0">
+              <a:buNone/>
+            </a:pPr>
+            <a:r>
+              <a:rPr lang="en-US" dirty="0" smtClean="0"/>
+              <a:t>        </a:t>
+            </a:r>
+            <a:r>
+              <a:rPr lang="en-US" dirty="0" err="1" smtClean="0"/>
+              <a:t>System.out.println</a:t>
+            </a:r>
+            <a:r>
+              <a:rPr lang="en-US" dirty="0" smtClean="0"/>
+              <a:t>("Car is accelerating");</a:t>
+            </a:r>
+          </a:p>
+          <a:p>
+            <a:pPr marL="0" indent="0">
+              <a:buNone/>
+            </a:pPr>
+            <a:r>
+              <a:rPr lang="en-US" dirty="0" smtClean="0"/>
+              <a:t>    }</a:t>
+            </a:r>
+          </a:p>
+          <a:p>
+            <a:pPr marL="0" indent="0">
+              <a:buNone/>
+            </a:pPr>
+            <a:r>
+              <a:rPr lang="en-US" dirty="0" smtClean="0"/>
+              <a:t>}</a:t>
+            </a:r>
+          </a:p>
+          <a:p>
+            <a:pPr marL="0" indent="0">
+              <a:buNone/>
+            </a:pPr>
+            <a:r>
+              <a:rPr lang="en-US" dirty="0" smtClean="0"/>
+              <a:t>In this example, Car is the class. It has fields (model and year) representing the state of a car and methods (start and accelerate) representing the behavior of a car.</a:t>
+            </a:r>
+            <a:endParaRPr lang="en-US" dirty="0"/>
           </a:p>
         </p:txBody>
       </p:sp>
     </p:spTree>
     <p:extLst>
       <p:ext uri="{BB962C8B-B14F-4D97-AF65-F5344CB8AC3E}">
-        <p14:creationId xmlns:p14="http://schemas.microsoft.com/office/powerpoint/2010/main" val="742193609"/>
+        <p14:creationId xmlns:p14="http://schemas.microsoft.com/office/powerpoint/2010/main" val="130270490"/>
       </p:ext>
     </p:extLst>
   </p:cSld>
@@ -6473,11 +6289,7 @@
           <a:p>
             <a:r>
               <a:rPr lang="en-US" b="1" dirty="0"/>
-              <a:t>Classes in </a:t>
-            </a:r>
-            <a:r>
-              <a:rPr lang="en-US" b="1" dirty="0" smtClean="0"/>
-              <a:t>Java</a:t>
+              <a:t>Objects in Java</a:t>
             </a:r>
             <a:endParaRPr lang="en-US" dirty="0"/>
           </a:p>
@@ -6500,7 +6312,7 @@
           <a:p>
             <a:r>
               <a:rPr lang="en-US" dirty="0"/>
-              <a:t>A class in Java is a blueprint or template that defines the properties (attributes) and behaviors (methods) that objects of the class will have. </a:t>
+              <a:t>An object in Java is an instance of a class. </a:t>
             </a:r>
             <a:endParaRPr lang="en-US" dirty="0" smtClean="0"/>
           </a:p>
@@ -6511,18 +6323,37 @@
             </a:r>
             <a:r>
               <a:rPr lang="en-US" dirty="0"/>
-              <a:t>is a user-defined data type that encapsulates data and methods that operate on that data.</a:t>
-            </a:r>
-          </a:p>
-          <a:p>
-            <a:endParaRPr lang="en-US" dirty="0"/>
+              <a:t>represents a real-world entity and is created from a class definition. </a:t>
+            </a:r>
+            <a:endParaRPr lang="en-US" dirty="0" smtClean="0"/>
+          </a:p>
+          <a:p>
+            <a:r>
+              <a:rPr lang="en-US" dirty="0" smtClean="0"/>
+              <a:t>Objects </a:t>
+            </a:r>
+            <a:r>
+              <a:rPr lang="en-US" dirty="0"/>
+              <a:t>have state (values of fields) and behavior (invoking methods). </a:t>
+            </a:r>
+            <a:endParaRPr lang="en-US" dirty="0" smtClean="0"/>
+          </a:p>
+          <a:p>
+            <a:r>
+              <a:rPr lang="en-US" dirty="0" smtClean="0"/>
+              <a:t>You </a:t>
+            </a:r>
+            <a:r>
+              <a:rPr lang="en-US" dirty="0"/>
+              <a:t>create objects based on the blueprint provided by the class.</a:t>
+            </a:r>
           </a:p>
         </p:txBody>
       </p:sp>
     </p:spTree>
     <p:extLst>
       <p:ext uri="{BB962C8B-B14F-4D97-AF65-F5344CB8AC3E}">
-        <p14:creationId xmlns:p14="http://schemas.microsoft.com/office/powerpoint/2010/main" val="3434728673"/>
+        <p14:creationId xmlns:p14="http://schemas.microsoft.com/office/powerpoint/2010/main" val="3664885103"/>
       </p:ext>
     </p:extLst>
   </p:cSld>
